--- a/ch15/第15章 线程和多线程.pptx
+++ b/ch15/第15章 线程和多线程.pptx
@@ -5930,710 +5930,6 @@
       <dsp:cNvGrpSpPr/>
     </dsp:nvGrpSpPr>
     <dsp:grpSpPr/>
-    <dsp:sp modelId="{2D950C6A-D143-4F20-B246-F7228576DDBE}">
-      <dsp:nvSpPr>
-        <dsp:cNvPr id="0" name=""/>
-        <dsp:cNvSpPr/>
-      </dsp:nvSpPr>
-      <dsp:spPr>
-        <a:xfrm rot="5400000">
-          <a:off x="4570282" y="-1843688"/>
-          <a:ext cx="782637" cy="4669742"/>
-        </a:xfrm>
-        <a:prstGeom prst="round2SameRect">
-          <a:avLst/>
-        </a:prstGeom>
-        <a:solidFill>
-          <a:schemeClr val="accent1">
-            <a:alpha val="90000"/>
-            <a:tint val="40000"/>
-            <a:hueOff val="0"/>
-            <a:satOff val="0"/>
-            <a:lumOff val="0"/>
-            <a:alphaOff val="0"/>
-          </a:schemeClr>
-        </a:solidFill>
-        <a:ln w="25400" cap="flat" cmpd="sng" algn="ctr">
-          <a:solidFill>
-            <a:schemeClr val="accent1">
-              <a:alpha val="90000"/>
-              <a:tint val="40000"/>
-              <a:hueOff val="0"/>
-              <a:satOff val="0"/>
-              <a:lumOff val="0"/>
-              <a:alphaOff val="0"/>
-            </a:schemeClr>
-          </a:solidFill>
-          <a:prstDash val="solid"/>
-        </a:ln>
-        <a:effectLst/>
-      </dsp:spPr>
-      <dsp:style>
-        <a:lnRef idx="2">
-          <a:scrgbClr r="0" g="0" b="0"/>
-        </a:lnRef>
-        <a:fillRef idx="1">
-          <a:scrgbClr r="0" g="0" b="0"/>
-        </a:fillRef>
-        <a:effectRef idx="0">
-          <a:scrgbClr r="0" g="0" b="0"/>
-        </a:effectRef>
-        <a:fontRef idx="minor"/>
-      </dsp:style>
-      <dsp:txBody>
-        <a:bodyPr spcFirstLastPara="0" vert="horz" wrap="square" lIns="60960" tIns="30480" rIns="60960" bIns="30480" numCol="1" spcCol="1270" anchor="ctr" anchorCtr="0">
-          <a:noAutofit/>
-        </a:bodyPr>
-        <a:lstStyle/>
-        <a:p>
-          <a:pPr marL="171450" lvl="1" indent="-171450" algn="l" defTabSz="711200">
-            <a:lnSpc>
-              <a:spcPct val="90000"/>
-            </a:lnSpc>
-            <a:spcBef>
-              <a:spcPct val="0"/>
-            </a:spcBef>
-            <a:spcAft>
-              <a:spcPct val="15000"/>
-            </a:spcAft>
-            <a:buChar char="••"/>
-          </a:pPr>
-          <a:r>
-            <a:rPr lang="zh-CN" altLang="en-US" sz="1600" kern="1200" dirty="0" smtClean="0"/>
-            <a:t>一个线程永远占用某一共享资源</a:t>
-          </a:r>
-          <a:endParaRPr lang="zh-CN" altLang="en-US" sz="1600" kern="1200" dirty="0"/>
-        </a:p>
-      </dsp:txBody>
-      <dsp:txXfrm rot="-5400000">
-        <a:off x="2626730" y="138069"/>
-        <a:ext cx="4631537" cy="706227"/>
-      </dsp:txXfrm>
-    </dsp:sp>
-    <dsp:sp modelId="{D483DFF6-0865-4F4F-BD1C-0BC4E5F66E88}">
-      <dsp:nvSpPr>
-        <dsp:cNvPr id="0" name=""/>
-        <dsp:cNvSpPr/>
-      </dsp:nvSpPr>
-      <dsp:spPr>
-        <a:xfrm>
-          <a:off x="0" y="2033"/>
-          <a:ext cx="2626729" cy="978296"/>
-        </a:xfrm>
-        <a:prstGeom prst="roundRect">
-          <a:avLst/>
-        </a:prstGeom>
-        <a:solidFill>
-          <a:schemeClr val="accent1">
-            <a:hueOff val="0"/>
-            <a:satOff val="0"/>
-            <a:lumOff val="0"/>
-            <a:alphaOff val="0"/>
-          </a:schemeClr>
-        </a:solidFill>
-        <a:ln w="25400" cap="flat" cmpd="sng" algn="ctr">
-          <a:solidFill>
-            <a:schemeClr val="lt1">
-              <a:hueOff val="0"/>
-              <a:satOff val="0"/>
-              <a:lumOff val="0"/>
-              <a:alphaOff val="0"/>
-            </a:schemeClr>
-          </a:solidFill>
-          <a:prstDash val="solid"/>
-        </a:ln>
-        <a:effectLst/>
-      </dsp:spPr>
-      <dsp:style>
-        <a:lnRef idx="2">
-          <a:scrgbClr r="0" g="0" b="0"/>
-        </a:lnRef>
-        <a:fillRef idx="1">
-          <a:scrgbClr r="0" g="0" b="0"/>
-        </a:fillRef>
-        <a:effectRef idx="0">
-          <a:scrgbClr r="0" g="0" b="0"/>
-        </a:effectRef>
-        <a:fontRef idx="minor">
-          <a:schemeClr val="lt1"/>
-        </a:fontRef>
-      </dsp:style>
-      <dsp:txBody>
-        <a:bodyPr spcFirstLastPara="0" vert="horz" wrap="square" lIns="133350" tIns="66675" rIns="133350" bIns="66675" numCol="1" spcCol="1270" anchor="ctr" anchorCtr="0">
-          <a:noAutofit/>
-        </a:bodyPr>
-        <a:lstStyle/>
-        <a:p>
-          <a:pPr lvl="0" algn="ctr" defTabSz="1555750">
-            <a:lnSpc>
-              <a:spcPct val="90000"/>
-            </a:lnSpc>
-            <a:spcBef>
-              <a:spcPct val="0"/>
-            </a:spcBef>
-            <a:spcAft>
-              <a:spcPct val="35000"/>
-            </a:spcAft>
-          </a:pPr>
-          <a:r>
-            <a:rPr lang="zh-CN" altLang="en-US" sz="3500" kern="1200" dirty="0" smtClean="0"/>
-            <a:t>相互排斥</a:t>
-          </a:r>
-          <a:endParaRPr lang="zh-CN" altLang="en-US" sz="3500" kern="1200" dirty="0"/>
-        </a:p>
-      </dsp:txBody>
-      <dsp:txXfrm>
-        <a:off x="47756" y="49789"/>
-        <a:ext cx="2531217" cy="882784"/>
-      </dsp:txXfrm>
-    </dsp:sp>
-    <dsp:sp modelId="{0ED8EE5A-5D56-46B2-9B57-AB76552A2E7F}">
-      <dsp:nvSpPr>
-        <dsp:cNvPr id="0" name=""/>
-        <dsp:cNvSpPr/>
-      </dsp:nvSpPr>
-      <dsp:spPr>
-        <a:xfrm rot="5400000">
-          <a:off x="4570282" y="-816476"/>
-          <a:ext cx="782637" cy="4669742"/>
-        </a:xfrm>
-        <a:prstGeom prst="round2SameRect">
-          <a:avLst/>
-        </a:prstGeom>
-        <a:solidFill>
-          <a:schemeClr val="accent1">
-            <a:alpha val="90000"/>
-            <a:tint val="40000"/>
-            <a:hueOff val="0"/>
-            <a:satOff val="0"/>
-            <a:lumOff val="0"/>
-            <a:alphaOff val="0"/>
-          </a:schemeClr>
-        </a:solidFill>
-        <a:ln w="25400" cap="flat" cmpd="sng" algn="ctr">
-          <a:solidFill>
-            <a:schemeClr val="accent1">
-              <a:alpha val="90000"/>
-              <a:tint val="40000"/>
-              <a:hueOff val="0"/>
-              <a:satOff val="0"/>
-              <a:lumOff val="0"/>
-              <a:alphaOff val="0"/>
-            </a:schemeClr>
-          </a:solidFill>
-          <a:prstDash val="solid"/>
-        </a:ln>
-        <a:effectLst/>
-      </dsp:spPr>
-      <dsp:style>
-        <a:lnRef idx="2">
-          <a:scrgbClr r="0" g="0" b="0"/>
-        </a:lnRef>
-        <a:fillRef idx="1">
-          <a:scrgbClr r="0" g="0" b="0"/>
-        </a:fillRef>
-        <a:effectRef idx="0">
-          <a:scrgbClr r="0" g="0" b="0"/>
-        </a:effectRef>
-        <a:fontRef idx="minor"/>
-      </dsp:style>
-      <dsp:txBody>
-        <a:bodyPr spcFirstLastPara="0" vert="horz" wrap="square" lIns="60960" tIns="30480" rIns="60960" bIns="30480" numCol="1" spcCol="1270" anchor="ctr" anchorCtr="0">
-          <a:noAutofit/>
-        </a:bodyPr>
-        <a:lstStyle/>
-        <a:p>
-          <a:pPr marL="171450" lvl="1" indent="-171450" algn="l" defTabSz="711200">
-            <a:lnSpc>
-              <a:spcPct val="90000"/>
-            </a:lnSpc>
-            <a:spcBef>
-              <a:spcPct val="0"/>
-            </a:spcBef>
-            <a:spcAft>
-              <a:spcPct val="15000"/>
-            </a:spcAft>
-            <a:buChar char="••"/>
-          </a:pPr>
-          <a:r>
-            <a:rPr lang="zh-CN" altLang="en-US" sz="1600" kern="1200" dirty="0" smtClean="0"/>
-            <a:t>线程</a:t>
-          </a:r>
-          <a:r>
-            <a:rPr lang="en-US" altLang="zh-CN" sz="1600" kern="1200" dirty="0" smtClean="0"/>
-            <a:t>A</a:t>
-          </a:r>
-          <a:r>
-            <a:rPr lang="zh-CN" altLang="en-US" sz="1600" kern="1200" dirty="0" smtClean="0"/>
-            <a:t>在等待线程</a:t>
-          </a:r>
-          <a:r>
-            <a:rPr lang="en-US" altLang="zh-CN" sz="1600" kern="1200" dirty="0" smtClean="0"/>
-            <a:t>B</a:t>
-          </a:r>
-          <a:r>
-            <a:rPr lang="zh-CN" altLang="en-US" sz="1600" kern="1200" dirty="0" smtClean="0"/>
-            <a:t>，线程</a:t>
-          </a:r>
-          <a:r>
-            <a:rPr lang="en-US" altLang="zh-CN" sz="1600" kern="1200" dirty="0" smtClean="0"/>
-            <a:t>B</a:t>
-          </a:r>
-          <a:r>
-            <a:rPr lang="zh-CN" altLang="en-US" sz="1600" kern="1200" dirty="0" smtClean="0"/>
-            <a:t>在等待线程</a:t>
-          </a:r>
-          <a:r>
-            <a:rPr lang="en-US" altLang="zh-CN" sz="1600" kern="1200" dirty="0" smtClean="0"/>
-            <a:t>C</a:t>
-          </a:r>
-          <a:r>
-            <a:rPr lang="zh-CN" altLang="en-US" sz="1600" kern="1200" dirty="0" smtClean="0"/>
-            <a:t>，线程</a:t>
-          </a:r>
-          <a:r>
-            <a:rPr lang="en-US" altLang="zh-CN" sz="1600" kern="1200" dirty="0" smtClean="0"/>
-            <a:t>C</a:t>
-          </a:r>
-          <a:r>
-            <a:rPr lang="zh-CN" altLang="en-US" sz="1600" kern="1200" dirty="0" smtClean="0"/>
-            <a:t>在等待线程</a:t>
-          </a:r>
-          <a:r>
-            <a:rPr lang="en-US" altLang="zh-CN" sz="1600" kern="1200" dirty="0" smtClean="0"/>
-            <a:t>A</a:t>
-          </a:r>
-          <a:endParaRPr lang="zh-CN" altLang="en-US" sz="1600" kern="1200" dirty="0"/>
-        </a:p>
-      </dsp:txBody>
-      <dsp:txXfrm rot="-5400000">
-        <a:off x="2626730" y="1165281"/>
-        <a:ext cx="4631537" cy="706227"/>
-      </dsp:txXfrm>
-    </dsp:sp>
-    <dsp:sp modelId="{A9780D61-F962-4F66-92F0-A42D34B82F95}">
-      <dsp:nvSpPr>
-        <dsp:cNvPr id="0" name=""/>
-        <dsp:cNvSpPr/>
-      </dsp:nvSpPr>
-      <dsp:spPr>
-        <a:xfrm>
-          <a:off x="0" y="1029245"/>
-          <a:ext cx="2626729" cy="978296"/>
-        </a:xfrm>
-        <a:prstGeom prst="roundRect">
-          <a:avLst/>
-        </a:prstGeom>
-        <a:solidFill>
-          <a:schemeClr val="accent1">
-            <a:hueOff val="0"/>
-            <a:satOff val="0"/>
-            <a:lumOff val="0"/>
-            <a:alphaOff val="0"/>
-          </a:schemeClr>
-        </a:solidFill>
-        <a:ln w="25400" cap="flat" cmpd="sng" algn="ctr">
-          <a:solidFill>
-            <a:schemeClr val="lt1">
-              <a:hueOff val="0"/>
-              <a:satOff val="0"/>
-              <a:lumOff val="0"/>
-              <a:alphaOff val="0"/>
-            </a:schemeClr>
-          </a:solidFill>
-          <a:prstDash val="solid"/>
-        </a:ln>
-        <a:effectLst/>
-      </dsp:spPr>
-      <dsp:style>
-        <a:lnRef idx="2">
-          <a:scrgbClr r="0" g="0" b="0"/>
-        </a:lnRef>
-        <a:fillRef idx="1">
-          <a:scrgbClr r="0" g="0" b="0"/>
-        </a:fillRef>
-        <a:effectRef idx="0">
-          <a:scrgbClr r="0" g="0" b="0"/>
-        </a:effectRef>
-        <a:fontRef idx="minor">
-          <a:schemeClr val="lt1"/>
-        </a:fontRef>
-      </dsp:style>
-      <dsp:txBody>
-        <a:bodyPr spcFirstLastPara="0" vert="horz" wrap="square" lIns="133350" tIns="66675" rIns="133350" bIns="66675" numCol="1" spcCol="1270" anchor="ctr" anchorCtr="0">
-          <a:noAutofit/>
-        </a:bodyPr>
-        <a:lstStyle/>
-        <a:p>
-          <a:pPr lvl="0" algn="ctr" defTabSz="1555750">
-            <a:lnSpc>
-              <a:spcPct val="90000"/>
-            </a:lnSpc>
-            <a:spcBef>
-              <a:spcPct val="0"/>
-            </a:spcBef>
-            <a:spcAft>
-              <a:spcPct val="35000"/>
-            </a:spcAft>
-          </a:pPr>
-          <a:r>
-            <a:rPr lang="zh-CN" altLang="en-US" sz="3500" kern="1200" dirty="0" smtClean="0"/>
-            <a:t>循环等待</a:t>
-          </a:r>
-          <a:endParaRPr lang="zh-CN" altLang="en-US" sz="3500" kern="1200" dirty="0"/>
-        </a:p>
-      </dsp:txBody>
-      <dsp:txXfrm>
-        <a:off x="47756" y="1077001"/>
-        <a:ext cx="2531217" cy="882784"/>
-      </dsp:txXfrm>
-    </dsp:sp>
-    <dsp:sp modelId="{6B8114D3-5114-4DC9-9A9B-0D63B4B9B05F}">
-      <dsp:nvSpPr>
-        <dsp:cNvPr id="0" name=""/>
-        <dsp:cNvSpPr/>
-      </dsp:nvSpPr>
-      <dsp:spPr>
-        <a:xfrm rot="5400000">
-          <a:off x="4570282" y="210734"/>
-          <a:ext cx="782637" cy="4669742"/>
-        </a:xfrm>
-        <a:prstGeom prst="round2SameRect">
-          <a:avLst/>
-        </a:prstGeom>
-        <a:solidFill>
-          <a:schemeClr val="accent1">
-            <a:alpha val="90000"/>
-            <a:tint val="40000"/>
-            <a:hueOff val="0"/>
-            <a:satOff val="0"/>
-            <a:lumOff val="0"/>
-            <a:alphaOff val="0"/>
-          </a:schemeClr>
-        </a:solidFill>
-        <a:ln w="25400" cap="flat" cmpd="sng" algn="ctr">
-          <a:solidFill>
-            <a:schemeClr val="accent1">
-              <a:alpha val="90000"/>
-              <a:tint val="40000"/>
-              <a:hueOff val="0"/>
-              <a:satOff val="0"/>
-              <a:lumOff val="0"/>
-              <a:alphaOff val="0"/>
-            </a:schemeClr>
-          </a:solidFill>
-          <a:prstDash val="solid"/>
-        </a:ln>
-        <a:effectLst/>
-      </dsp:spPr>
-      <dsp:style>
-        <a:lnRef idx="2">
-          <a:scrgbClr r="0" g="0" b="0"/>
-        </a:lnRef>
-        <a:fillRef idx="1">
-          <a:scrgbClr r="0" g="0" b="0"/>
-        </a:fillRef>
-        <a:effectRef idx="0">
-          <a:scrgbClr r="0" g="0" b="0"/>
-        </a:effectRef>
-        <a:fontRef idx="minor"/>
-      </dsp:style>
-      <dsp:txBody>
-        <a:bodyPr spcFirstLastPara="0" vert="horz" wrap="square" lIns="60960" tIns="30480" rIns="60960" bIns="30480" numCol="1" spcCol="1270" anchor="ctr" anchorCtr="0">
-          <a:noAutofit/>
-        </a:bodyPr>
-        <a:lstStyle/>
-        <a:p>
-          <a:pPr marL="171450" lvl="1" indent="-171450" algn="l" defTabSz="711200">
-            <a:lnSpc>
-              <a:spcPct val="90000"/>
-            </a:lnSpc>
-            <a:spcBef>
-              <a:spcPct val="0"/>
-            </a:spcBef>
-            <a:spcAft>
-              <a:spcPct val="15000"/>
-            </a:spcAft>
-            <a:buChar char="••"/>
-          </a:pPr>
-          <a:r>
-            <a:rPr lang="zh-CN" altLang="en-US" sz="1600" kern="1200" dirty="0" smtClean="0"/>
-            <a:t>线程</a:t>
-          </a:r>
-          <a:r>
-            <a:rPr lang="en-US" altLang="zh-CN" sz="1600" kern="1200" dirty="0" smtClean="0"/>
-            <a:t>A</a:t>
-          </a:r>
-          <a:r>
-            <a:rPr lang="zh-CN" altLang="en-US" sz="1600" kern="1200" dirty="0" smtClean="0"/>
-            <a:t>得到了资源</a:t>
-          </a:r>
-          <a:r>
-            <a:rPr lang="en-US" altLang="zh-CN" sz="1600" kern="1200" dirty="0" smtClean="0"/>
-            <a:t>1</a:t>
-          </a:r>
-          <a:r>
-            <a:rPr lang="zh-CN" altLang="en-US" sz="1600" kern="1200" dirty="0" smtClean="0"/>
-            <a:t>，线程</a:t>
-          </a:r>
-          <a:r>
-            <a:rPr lang="en-US" altLang="zh-CN" sz="1600" kern="1200" dirty="0" smtClean="0"/>
-            <a:t>B</a:t>
-          </a:r>
-          <a:r>
-            <a:rPr lang="zh-CN" altLang="en-US" sz="1600" kern="1200" dirty="0" smtClean="0"/>
-            <a:t>得到了资源</a:t>
-          </a:r>
-          <a:r>
-            <a:rPr lang="en-US" altLang="zh-CN" sz="1600" kern="1200" dirty="0" smtClean="0"/>
-            <a:t>2</a:t>
-          </a:r>
-          <a:r>
-            <a:rPr lang="zh-CN" altLang="en-US" sz="1600" kern="1200" dirty="0" smtClean="0"/>
-            <a:t>，两个线程都不能得到全部的资源</a:t>
-          </a:r>
-          <a:endParaRPr lang="zh-CN" altLang="en-US" sz="1600" kern="1200" dirty="0"/>
-        </a:p>
-      </dsp:txBody>
-      <dsp:txXfrm rot="-5400000">
-        <a:off x="2626730" y="2192492"/>
-        <a:ext cx="4631537" cy="706227"/>
-      </dsp:txXfrm>
-    </dsp:sp>
-    <dsp:sp modelId="{14E6FBA5-8A6F-4D99-B3C5-CF71669A308A}">
-      <dsp:nvSpPr>
-        <dsp:cNvPr id="0" name=""/>
-        <dsp:cNvSpPr/>
-      </dsp:nvSpPr>
-      <dsp:spPr>
-        <a:xfrm>
-          <a:off x="0" y="2056457"/>
-          <a:ext cx="2626729" cy="978296"/>
-        </a:xfrm>
-        <a:prstGeom prst="roundRect">
-          <a:avLst/>
-        </a:prstGeom>
-        <a:solidFill>
-          <a:schemeClr val="accent1">
-            <a:hueOff val="0"/>
-            <a:satOff val="0"/>
-            <a:lumOff val="0"/>
-            <a:alphaOff val="0"/>
-          </a:schemeClr>
-        </a:solidFill>
-        <a:ln w="25400" cap="flat" cmpd="sng" algn="ctr">
-          <a:solidFill>
-            <a:schemeClr val="lt1">
-              <a:hueOff val="0"/>
-              <a:satOff val="0"/>
-              <a:lumOff val="0"/>
-              <a:alphaOff val="0"/>
-            </a:schemeClr>
-          </a:solidFill>
-          <a:prstDash val="solid"/>
-        </a:ln>
-        <a:effectLst/>
-      </dsp:spPr>
-      <dsp:style>
-        <a:lnRef idx="2">
-          <a:scrgbClr r="0" g="0" b="0"/>
-        </a:lnRef>
-        <a:fillRef idx="1">
-          <a:scrgbClr r="0" g="0" b="0"/>
-        </a:fillRef>
-        <a:effectRef idx="0">
-          <a:scrgbClr r="0" g="0" b="0"/>
-        </a:effectRef>
-        <a:fontRef idx="minor">
-          <a:schemeClr val="lt1"/>
-        </a:fontRef>
-      </dsp:style>
-      <dsp:txBody>
-        <a:bodyPr spcFirstLastPara="0" vert="horz" wrap="square" lIns="133350" tIns="66675" rIns="133350" bIns="66675" numCol="1" spcCol="1270" anchor="ctr" anchorCtr="0">
-          <a:noAutofit/>
-        </a:bodyPr>
-        <a:lstStyle/>
-        <a:p>
-          <a:pPr lvl="0" algn="ctr" defTabSz="1555750">
-            <a:lnSpc>
-              <a:spcPct val="90000"/>
-            </a:lnSpc>
-            <a:spcBef>
-              <a:spcPct val="0"/>
-            </a:spcBef>
-            <a:spcAft>
-              <a:spcPct val="35000"/>
-            </a:spcAft>
-          </a:pPr>
-          <a:r>
-            <a:rPr lang="zh-CN" altLang="en-US" sz="3500" kern="1200" dirty="0" smtClean="0"/>
-            <a:t>部分分配</a:t>
-          </a:r>
-          <a:endParaRPr lang="zh-CN" altLang="en-US" sz="3500" kern="1200" dirty="0"/>
-        </a:p>
-      </dsp:txBody>
-      <dsp:txXfrm>
-        <a:off x="47756" y="2104213"/>
-        <a:ext cx="2531217" cy="882784"/>
-      </dsp:txXfrm>
-    </dsp:sp>
-    <dsp:sp modelId="{E90601C1-6767-4F27-A719-C6B1B44906B4}">
-      <dsp:nvSpPr>
-        <dsp:cNvPr id="0" name=""/>
-        <dsp:cNvSpPr/>
-      </dsp:nvSpPr>
-      <dsp:spPr>
-        <a:xfrm rot="5400000">
-          <a:off x="4570282" y="1237946"/>
-          <a:ext cx="782637" cy="4669742"/>
-        </a:xfrm>
-        <a:prstGeom prst="round2SameRect">
-          <a:avLst/>
-        </a:prstGeom>
-        <a:solidFill>
-          <a:schemeClr val="accent1">
-            <a:alpha val="90000"/>
-            <a:tint val="40000"/>
-            <a:hueOff val="0"/>
-            <a:satOff val="0"/>
-            <a:lumOff val="0"/>
-            <a:alphaOff val="0"/>
-          </a:schemeClr>
-        </a:solidFill>
-        <a:ln w="25400" cap="flat" cmpd="sng" algn="ctr">
-          <a:solidFill>
-            <a:schemeClr val="accent1">
-              <a:alpha val="90000"/>
-              <a:tint val="40000"/>
-              <a:hueOff val="0"/>
-              <a:satOff val="0"/>
-              <a:lumOff val="0"/>
-              <a:alphaOff val="0"/>
-            </a:schemeClr>
-          </a:solidFill>
-          <a:prstDash val="solid"/>
-        </a:ln>
-        <a:effectLst/>
-      </dsp:spPr>
-      <dsp:style>
-        <a:lnRef idx="2">
-          <a:scrgbClr r="0" g="0" b="0"/>
-        </a:lnRef>
-        <a:fillRef idx="1">
-          <a:scrgbClr r="0" g="0" b="0"/>
-        </a:fillRef>
-        <a:effectRef idx="0">
-          <a:scrgbClr r="0" g="0" b="0"/>
-        </a:effectRef>
-        <a:fontRef idx="minor"/>
-      </dsp:style>
-      <dsp:txBody>
-        <a:bodyPr spcFirstLastPara="0" vert="horz" wrap="square" lIns="60960" tIns="30480" rIns="60960" bIns="30480" numCol="1" spcCol="1270" anchor="ctr" anchorCtr="0">
-          <a:noAutofit/>
-        </a:bodyPr>
-        <a:lstStyle/>
-        <a:p>
-          <a:pPr marL="171450" lvl="1" indent="-171450" algn="l" defTabSz="711200">
-            <a:lnSpc>
-              <a:spcPct val="90000"/>
-            </a:lnSpc>
-            <a:spcBef>
-              <a:spcPct val="0"/>
-            </a:spcBef>
-            <a:spcAft>
-              <a:spcPct val="15000"/>
-            </a:spcAft>
-            <a:buChar char="••"/>
-          </a:pPr>
-          <a:r>
-            <a:rPr lang="zh-CN" altLang="en-US" sz="1600" kern="1200" dirty="0" smtClean="0"/>
-            <a:t>一个线程访问了某资源，但一直不释放该资源，即使该线程处于阻塞状态</a:t>
-          </a:r>
-          <a:endParaRPr lang="zh-CN" altLang="en-US" sz="1600" kern="1200" dirty="0"/>
-        </a:p>
-      </dsp:txBody>
-      <dsp:txXfrm rot="-5400000">
-        <a:off x="2626730" y="3219704"/>
-        <a:ext cx="4631537" cy="706227"/>
-      </dsp:txXfrm>
-    </dsp:sp>
-    <dsp:sp modelId="{9AB3D811-15BB-413C-8D36-C19C659A1959}">
-      <dsp:nvSpPr>
-        <dsp:cNvPr id="0" name=""/>
-        <dsp:cNvSpPr/>
-      </dsp:nvSpPr>
-      <dsp:spPr>
-        <a:xfrm>
-          <a:off x="0" y="3083669"/>
-          <a:ext cx="2626729" cy="978296"/>
-        </a:xfrm>
-        <a:prstGeom prst="roundRect">
-          <a:avLst/>
-        </a:prstGeom>
-        <a:solidFill>
-          <a:schemeClr val="accent1">
-            <a:hueOff val="0"/>
-            <a:satOff val="0"/>
-            <a:lumOff val="0"/>
-            <a:alphaOff val="0"/>
-          </a:schemeClr>
-        </a:solidFill>
-        <a:ln w="25400" cap="flat" cmpd="sng" algn="ctr">
-          <a:solidFill>
-            <a:schemeClr val="lt1">
-              <a:hueOff val="0"/>
-              <a:satOff val="0"/>
-              <a:lumOff val="0"/>
-              <a:alphaOff val="0"/>
-            </a:schemeClr>
-          </a:solidFill>
-          <a:prstDash val="solid"/>
-        </a:ln>
-        <a:effectLst/>
-      </dsp:spPr>
-      <dsp:style>
-        <a:lnRef idx="2">
-          <a:scrgbClr r="0" g="0" b="0"/>
-        </a:lnRef>
-        <a:fillRef idx="1">
-          <a:scrgbClr r="0" g="0" b="0"/>
-        </a:fillRef>
-        <a:effectRef idx="0">
-          <a:scrgbClr r="0" g="0" b="0"/>
-        </a:effectRef>
-        <a:fontRef idx="minor">
-          <a:schemeClr val="lt1"/>
-        </a:fontRef>
-      </dsp:style>
-      <dsp:txBody>
-        <a:bodyPr spcFirstLastPara="0" vert="horz" wrap="square" lIns="133350" tIns="66675" rIns="133350" bIns="66675" numCol="1" spcCol="1270" anchor="ctr" anchorCtr="0">
-          <a:noAutofit/>
-        </a:bodyPr>
-        <a:lstStyle/>
-        <a:p>
-          <a:pPr lvl="0" algn="ctr" defTabSz="1555750">
-            <a:lnSpc>
-              <a:spcPct val="90000"/>
-            </a:lnSpc>
-            <a:spcBef>
-              <a:spcPct val="0"/>
-            </a:spcBef>
-            <a:spcAft>
-              <a:spcPct val="35000"/>
-            </a:spcAft>
-          </a:pPr>
-          <a:r>
-            <a:rPr lang="zh-CN" altLang="en-US" sz="3500" kern="1200" dirty="0" smtClean="0"/>
-            <a:t>缺少优先权</a:t>
-          </a:r>
-          <a:endParaRPr lang="zh-CN" altLang="en-US" sz="3500" kern="1200" dirty="0"/>
-        </a:p>
-      </dsp:txBody>
-      <dsp:txXfrm>
-        <a:off x="47756" y="3131425"/>
-        <a:ext cx="2531217" cy="882784"/>
-      </dsp:txXfrm>
-    </dsp:sp>
   </dsp:spTree>
 </dsp:drawing>
 </file>
@@ -13813,6 +13109,651 @@
           <a:bodyPr/>
           <a:lstStyle/>
           <a:p>
+            <a:r>
+              <a:rPr lang="en-US" altLang="zh-CN" sz="1200" b="0" i="0" kern="1200" dirty="0" smtClean="0">
+                <a:solidFill>
+                  <a:schemeClr val="tx1"/>
+                </a:solidFill>
+                <a:effectLst/>
+                <a:latin typeface="Arial" charset="0"/>
+                <a:ea typeface="+mn-ea"/>
+                <a:cs typeface="+mn-cs"/>
+              </a:rPr>
+              <a:t>/** * </a:t>
+            </a:r>
+            <a:r>
+              <a:rPr lang="zh-CN" altLang="en-US" sz="1200" b="0" i="0" kern="1200" dirty="0" smtClean="0">
+                <a:solidFill>
+                  <a:schemeClr val="tx1"/>
+                </a:solidFill>
+                <a:effectLst/>
+                <a:latin typeface="Arial" charset="0"/>
+                <a:ea typeface="+mn-ea"/>
+                <a:cs typeface="+mn-cs"/>
+              </a:rPr>
+              <a:t>同步线程 *</a:t>
+            </a:r>
+            <a:r>
+              <a:rPr lang="en-US" altLang="zh-CN" sz="1200" b="0" i="0" kern="1200" dirty="0" smtClean="0">
+                <a:solidFill>
+                  <a:schemeClr val="tx1"/>
+                </a:solidFill>
+                <a:effectLst/>
+                <a:latin typeface="Arial" charset="0"/>
+                <a:ea typeface="+mn-ea"/>
+                <a:cs typeface="+mn-cs"/>
+              </a:rPr>
+              <a:t>/</a:t>
+            </a:r>
+            <a:r>
+              <a:rPr lang="zh-CN" altLang="en-US" sz="1200" b="0" i="0" kern="1200" dirty="0" smtClean="0">
+                <a:solidFill>
+                  <a:schemeClr val="tx1"/>
+                </a:solidFill>
+                <a:effectLst/>
+                <a:latin typeface="Arial" charset="0"/>
+                <a:ea typeface="+mn-ea"/>
+                <a:cs typeface="+mn-cs"/>
+              </a:rPr>
+              <a:t> </a:t>
+            </a:r>
+            <a:endParaRPr lang="en-US" altLang="zh-CN" sz="1200" b="0" i="0" kern="1200" dirty="0" smtClean="0">
+              <a:solidFill>
+                <a:schemeClr val="tx1"/>
+              </a:solidFill>
+              <a:effectLst/>
+              <a:latin typeface="Arial" charset="0"/>
+              <a:ea typeface="+mn-ea"/>
+              <a:cs typeface="+mn-cs"/>
+            </a:endParaRPr>
+          </a:p>
+          <a:p>
+            <a:r>
+              <a:rPr lang="en-US" altLang="zh-CN" sz="1200" b="0" i="0" kern="1200" dirty="0" smtClean="0">
+                <a:solidFill>
+                  <a:schemeClr val="tx1"/>
+                </a:solidFill>
+                <a:effectLst/>
+                <a:latin typeface="Arial" charset="0"/>
+                <a:ea typeface="+mn-ea"/>
+                <a:cs typeface="+mn-cs"/>
+              </a:rPr>
+              <a:t>class </a:t>
+            </a:r>
+            <a:r>
+              <a:rPr lang="en-US" altLang="zh-CN" sz="1200" b="0" i="0" kern="1200" dirty="0" err="1" smtClean="0">
+                <a:solidFill>
+                  <a:schemeClr val="tx1"/>
+                </a:solidFill>
+                <a:effectLst/>
+                <a:latin typeface="Arial" charset="0"/>
+                <a:ea typeface="+mn-ea"/>
+                <a:cs typeface="+mn-cs"/>
+              </a:rPr>
+              <a:t>SyncThread</a:t>
+            </a:r>
+            <a:r>
+              <a:rPr lang="en-US" altLang="zh-CN" sz="1200" b="0" i="0" kern="1200" dirty="0" smtClean="0">
+                <a:solidFill>
+                  <a:schemeClr val="tx1"/>
+                </a:solidFill>
+                <a:effectLst/>
+                <a:latin typeface="Arial" charset="0"/>
+                <a:ea typeface="+mn-ea"/>
+                <a:cs typeface="+mn-cs"/>
+              </a:rPr>
+              <a:t> implements Runnable { </a:t>
+            </a:r>
+          </a:p>
+          <a:p>
+            <a:r>
+              <a:rPr lang="en-US" altLang="zh-CN" sz="1200" b="0" i="0" kern="1200" dirty="0" smtClean="0">
+                <a:solidFill>
+                  <a:schemeClr val="tx1"/>
+                </a:solidFill>
+                <a:effectLst/>
+                <a:latin typeface="Arial" charset="0"/>
+                <a:ea typeface="+mn-ea"/>
+                <a:cs typeface="+mn-cs"/>
+              </a:rPr>
+              <a:t>	private static </a:t>
+            </a:r>
+            <a:r>
+              <a:rPr lang="en-US" altLang="zh-CN" sz="1200" b="0" i="0" kern="1200" dirty="0" err="1" smtClean="0">
+                <a:solidFill>
+                  <a:schemeClr val="tx1"/>
+                </a:solidFill>
+                <a:effectLst/>
+                <a:latin typeface="Arial" charset="0"/>
+                <a:ea typeface="+mn-ea"/>
+                <a:cs typeface="+mn-cs"/>
+              </a:rPr>
+              <a:t>int</a:t>
+            </a:r>
+            <a:r>
+              <a:rPr lang="en-US" altLang="zh-CN" sz="1200" b="0" i="0" kern="1200" dirty="0" smtClean="0">
+                <a:solidFill>
+                  <a:schemeClr val="tx1"/>
+                </a:solidFill>
+                <a:effectLst/>
+                <a:latin typeface="Arial" charset="0"/>
+                <a:ea typeface="+mn-ea"/>
+                <a:cs typeface="+mn-cs"/>
+              </a:rPr>
+              <a:t> count;</a:t>
+            </a:r>
+          </a:p>
+          <a:p>
+            <a:r>
+              <a:rPr lang="en-US" altLang="zh-CN" sz="1200" b="0" i="0" kern="1200" dirty="0" smtClean="0">
+                <a:solidFill>
+                  <a:schemeClr val="tx1"/>
+                </a:solidFill>
+                <a:effectLst/>
+                <a:latin typeface="Arial" charset="0"/>
+                <a:ea typeface="+mn-ea"/>
+                <a:cs typeface="+mn-cs"/>
+              </a:rPr>
+              <a:t>	public </a:t>
+            </a:r>
+            <a:r>
+              <a:rPr lang="en-US" altLang="zh-CN" sz="1200" b="0" i="0" kern="1200" dirty="0" err="1" smtClean="0">
+                <a:solidFill>
+                  <a:schemeClr val="tx1"/>
+                </a:solidFill>
+                <a:effectLst/>
+                <a:latin typeface="Arial" charset="0"/>
+                <a:ea typeface="+mn-ea"/>
+                <a:cs typeface="+mn-cs"/>
+              </a:rPr>
+              <a:t>SyncThread</a:t>
+            </a:r>
+            <a:r>
+              <a:rPr lang="en-US" altLang="zh-CN" sz="1200" b="0" i="0" kern="1200" dirty="0" smtClean="0">
+                <a:solidFill>
+                  <a:schemeClr val="tx1"/>
+                </a:solidFill>
+                <a:effectLst/>
+                <a:latin typeface="Arial" charset="0"/>
+                <a:ea typeface="+mn-ea"/>
+                <a:cs typeface="+mn-cs"/>
+              </a:rPr>
+              <a:t>() { count = 0; } </a:t>
+            </a:r>
+          </a:p>
+          <a:p>
+            <a:r>
+              <a:rPr lang="en-US" altLang="zh-CN" sz="1200" b="0" i="0" kern="1200" dirty="0" smtClean="0">
+                <a:solidFill>
+                  <a:schemeClr val="tx1"/>
+                </a:solidFill>
+                <a:effectLst/>
+                <a:latin typeface="Arial" charset="0"/>
+                <a:ea typeface="+mn-ea"/>
+                <a:cs typeface="+mn-cs"/>
+              </a:rPr>
+              <a:t>	public static void method() { </a:t>
+            </a:r>
+          </a:p>
+          <a:p>
+            <a:r>
+              <a:rPr lang="en-US" altLang="zh-CN" sz="1200" b="0" i="0" kern="1200" dirty="0" smtClean="0">
+                <a:solidFill>
+                  <a:schemeClr val="tx1"/>
+                </a:solidFill>
+                <a:effectLst/>
+                <a:latin typeface="Arial" charset="0"/>
+                <a:ea typeface="+mn-ea"/>
+                <a:cs typeface="+mn-cs"/>
+              </a:rPr>
+              <a:t>		synchronized(</a:t>
+            </a:r>
+            <a:r>
+              <a:rPr lang="en-US" altLang="zh-CN" sz="1200" b="0" i="0" kern="1200" dirty="0" err="1" smtClean="0">
+                <a:solidFill>
+                  <a:schemeClr val="tx1"/>
+                </a:solidFill>
+                <a:effectLst/>
+                <a:latin typeface="Arial" charset="0"/>
+                <a:ea typeface="+mn-ea"/>
+                <a:cs typeface="+mn-cs"/>
+              </a:rPr>
+              <a:t>SyncThread.class</a:t>
+            </a:r>
+            <a:r>
+              <a:rPr lang="en-US" altLang="zh-CN" sz="1200" b="0" i="0" kern="1200" dirty="0" smtClean="0">
+                <a:solidFill>
+                  <a:schemeClr val="tx1"/>
+                </a:solidFill>
+                <a:effectLst/>
+                <a:latin typeface="Arial" charset="0"/>
+                <a:ea typeface="+mn-ea"/>
+                <a:cs typeface="+mn-cs"/>
+              </a:rPr>
+              <a:t>) {</a:t>
+            </a:r>
+          </a:p>
+          <a:p>
+            <a:r>
+              <a:rPr lang="en-US" altLang="zh-CN" sz="1200" b="0" i="0" kern="1200" dirty="0" smtClean="0">
+                <a:solidFill>
+                  <a:schemeClr val="tx1"/>
+                </a:solidFill>
+                <a:effectLst/>
+                <a:latin typeface="Arial" charset="0"/>
+                <a:ea typeface="+mn-ea"/>
+                <a:cs typeface="+mn-cs"/>
+              </a:rPr>
+              <a:t>			for (</a:t>
+            </a:r>
+            <a:r>
+              <a:rPr lang="en-US" altLang="zh-CN" sz="1200" b="0" i="0" kern="1200" dirty="0" err="1" smtClean="0">
+                <a:solidFill>
+                  <a:schemeClr val="tx1"/>
+                </a:solidFill>
+                <a:effectLst/>
+                <a:latin typeface="Arial" charset="0"/>
+                <a:ea typeface="+mn-ea"/>
+                <a:cs typeface="+mn-cs"/>
+              </a:rPr>
+              <a:t>int</a:t>
+            </a:r>
+            <a:r>
+              <a:rPr lang="en-US" altLang="zh-CN" sz="1200" b="0" i="0" kern="1200" dirty="0" smtClean="0">
+                <a:solidFill>
+                  <a:schemeClr val="tx1"/>
+                </a:solidFill>
+                <a:effectLst/>
+                <a:latin typeface="Arial" charset="0"/>
+                <a:ea typeface="+mn-ea"/>
+                <a:cs typeface="+mn-cs"/>
+              </a:rPr>
+              <a:t> </a:t>
+            </a:r>
+            <a:r>
+              <a:rPr lang="en-US" altLang="zh-CN" sz="1200" b="0" i="0" kern="1200" dirty="0" err="1" smtClean="0">
+                <a:solidFill>
+                  <a:schemeClr val="tx1"/>
+                </a:solidFill>
+                <a:effectLst/>
+                <a:latin typeface="Arial" charset="0"/>
+                <a:ea typeface="+mn-ea"/>
+                <a:cs typeface="+mn-cs"/>
+              </a:rPr>
+              <a:t>i</a:t>
+            </a:r>
+            <a:r>
+              <a:rPr lang="en-US" altLang="zh-CN" sz="1200" b="0" i="0" kern="1200" dirty="0" smtClean="0">
+                <a:solidFill>
+                  <a:schemeClr val="tx1"/>
+                </a:solidFill>
+                <a:effectLst/>
+                <a:latin typeface="Arial" charset="0"/>
+                <a:ea typeface="+mn-ea"/>
+                <a:cs typeface="+mn-cs"/>
+              </a:rPr>
+              <a:t> = 0; </a:t>
+            </a:r>
+            <a:r>
+              <a:rPr lang="en-US" altLang="zh-CN" sz="1200" b="0" i="0" kern="1200" dirty="0" err="1" smtClean="0">
+                <a:solidFill>
+                  <a:schemeClr val="tx1"/>
+                </a:solidFill>
+                <a:effectLst/>
+                <a:latin typeface="Arial" charset="0"/>
+                <a:ea typeface="+mn-ea"/>
+                <a:cs typeface="+mn-cs"/>
+              </a:rPr>
+              <a:t>i</a:t>
+            </a:r>
+            <a:r>
+              <a:rPr lang="en-US" altLang="zh-CN" sz="1200" b="0" i="0" kern="1200" dirty="0" smtClean="0">
+                <a:solidFill>
+                  <a:schemeClr val="tx1"/>
+                </a:solidFill>
+                <a:effectLst/>
+                <a:latin typeface="Arial" charset="0"/>
+                <a:ea typeface="+mn-ea"/>
+                <a:cs typeface="+mn-cs"/>
+              </a:rPr>
+              <a:t> &lt; 5; </a:t>
+            </a:r>
+            <a:r>
+              <a:rPr lang="en-US" altLang="zh-CN" sz="1200" b="0" i="0" kern="1200" dirty="0" err="1" smtClean="0">
+                <a:solidFill>
+                  <a:schemeClr val="tx1"/>
+                </a:solidFill>
+                <a:effectLst/>
+                <a:latin typeface="Arial" charset="0"/>
+                <a:ea typeface="+mn-ea"/>
+                <a:cs typeface="+mn-cs"/>
+              </a:rPr>
+              <a:t>i</a:t>
+            </a:r>
+            <a:r>
+              <a:rPr lang="en-US" altLang="zh-CN" sz="1200" b="0" i="0" kern="1200" dirty="0" smtClean="0">
+                <a:solidFill>
+                  <a:schemeClr val="tx1"/>
+                </a:solidFill>
+                <a:effectLst/>
+                <a:latin typeface="Arial" charset="0"/>
+                <a:ea typeface="+mn-ea"/>
+                <a:cs typeface="+mn-cs"/>
+              </a:rPr>
+              <a:t> ++) { </a:t>
+            </a:r>
+          </a:p>
+          <a:p>
+            <a:r>
+              <a:rPr lang="en-US" altLang="zh-CN" sz="1200" b="0" i="0" kern="1200" dirty="0" smtClean="0">
+                <a:solidFill>
+                  <a:schemeClr val="tx1"/>
+                </a:solidFill>
+                <a:effectLst/>
+                <a:latin typeface="Arial" charset="0"/>
+                <a:ea typeface="+mn-ea"/>
+                <a:cs typeface="+mn-cs"/>
+              </a:rPr>
+              <a:t>				try { </a:t>
+            </a:r>
+          </a:p>
+          <a:p>
+            <a:r>
+              <a:rPr lang="en-US" altLang="zh-CN" sz="1200" b="0" i="0" kern="1200" dirty="0" smtClean="0">
+                <a:solidFill>
+                  <a:schemeClr val="tx1"/>
+                </a:solidFill>
+                <a:effectLst/>
+                <a:latin typeface="Arial" charset="0"/>
+                <a:ea typeface="+mn-ea"/>
+                <a:cs typeface="+mn-cs"/>
+              </a:rPr>
+              <a:t>					</a:t>
+            </a:r>
+            <a:r>
+              <a:rPr lang="en-US" altLang="zh-CN" sz="1200" b="0" i="0" kern="1200" dirty="0" err="1" smtClean="0">
+                <a:solidFill>
+                  <a:schemeClr val="tx1"/>
+                </a:solidFill>
+                <a:effectLst/>
+                <a:latin typeface="Arial" charset="0"/>
+                <a:ea typeface="+mn-ea"/>
+                <a:cs typeface="+mn-cs"/>
+              </a:rPr>
+              <a:t>System.out.println</a:t>
+            </a:r>
+            <a:r>
+              <a:rPr lang="en-US" altLang="zh-CN" sz="1200" b="0" i="0" kern="1200" dirty="0" smtClean="0">
+                <a:solidFill>
+                  <a:schemeClr val="tx1"/>
+                </a:solidFill>
+                <a:effectLst/>
+                <a:latin typeface="Arial" charset="0"/>
+                <a:ea typeface="+mn-ea"/>
+                <a:cs typeface="+mn-cs"/>
+              </a:rPr>
+              <a:t>(</a:t>
+            </a:r>
+            <a:r>
+              <a:rPr lang="en-US" altLang="zh-CN" sz="1200" b="0" i="0" kern="1200" dirty="0" err="1" smtClean="0">
+                <a:solidFill>
+                  <a:schemeClr val="tx1"/>
+                </a:solidFill>
+                <a:effectLst/>
+                <a:latin typeface="Arial" charset="0"/>
+                <a:ea typeface="+mn-ea"/>
+                <a:cs typeface="+mn-cs"/>
+              </a:rPr>
+              <a:t>Thread.currentThread</a:t>
+            </a:r>
+            <a:r>
+              <a:rPr lang="en-US" altLang="zh-CN" sz="1200" b="0" i="0" kern="1200" dirty="0" smtClean="0">
+                <a:solidFill>
+                  <a:schemeClr val="tx1"/>
+                </a:solidFill>
+                <a:effectLst/>
+                <a:latin typeface="Arial" charset="0"/>
+                <a:ea typeface="+mn-ea"/>
+                <a:cs typeface="+mn-cs"/>
+              </a:rPr>
+              <a:t>().</a:t>
+            </a:r>
+            <a:r>
+              <a:rPr lang="en-US" altLang="zh-CN" sz="1200" b="0" i="0" kern="1200" dirty="0" err="1" smtClean="0">
+                <a:solidFill>
+                  <a:schemeClr val="tx1"/>
+                </a:solidFill>
+                <a:effectLst/>
+                <a:latin typeface="Arial" charset="0"/>
+                <a:ea typeface="+mn-ea"/>
+                <a:cs typeface="+mn-cs"/>
+              </a:rPr>
+              <a:t>getName</a:t>
+            </a:r>
+            <a:r>
+              <a:rPr lang="en-US" altLang="zh-CN" sz="1200" b="0" i="0" kern="1200" dirty="0" smtClean="0">
+                <a:solidFill>
+                  <a:schemeClr val="tx1"/>
+                </a:solidFill>
+                <a:effectLst/>
+                <a:latin typeface="Arial" charset="0"/>
+                <a:ea typeface="+mn-ea"/>
+                <a:cs typeface="+mn-cs"/>
+              </a:rPr>
+              <a:t>() + ":" + (count++)); 					</a:t>
+            </a:r>
+            <a:r>
+              <a:rPr lang="en-US" altLang="zh-CN" sz="1200" b="0" i="0" kern="1200" dirty="0" err="1" smtClean="0">
+                <a:solidFill>
+                  <a:schemeClr val="tx1"/>
+                </a:solidFill>
+                <a:effectLst/>
+                <a:latin typeface="Arial" charset="0"/>
+                <a:ea typeface="+mn-ea"/>
+                <a:cs typeface="+mn-cs"/>
+              </a:rPr>
+              <a:t>Thread.sleep</a:t>
+            </a:r>
+            <a:r>
+              <a:rPr lang="en-US" altLang="zh-CN" sz="1200" b="0" i="0" kern="1200" dirty="0" smtClean="0">
+                <a:solidFill>
+                  <a:schemeClr val="tx1"/>
+                </a:solidFill>
+                <a:effectLst/>
+                <a:latin typeface="Arial" charset="0"/>
+                <a:ea typeface="+mn-ea"/>
+                <a:cs typeface="+mn-cs"/>
+              </a:rPr>
+              <a:t>(100); </a:t>
+            </a:r>
+          </a:p>
+          <a:p>
+            <a:r>
+              <a:rPr lang="en-US" altLang="zh-CN" sz="1200" b="0" i="0" kern="1200" dirty="0" smtClean="0">
+                <a:solidFill>
+                  <a:schemeClr val="tx1"/>
+                </a:solidFill>
+                <a:effectLst/>
+                <a:latin typeface="Arial" charset="0"/>
+                <a:ea typeface="+mn-ea"/>
+                <a:cs typeface="+mn-cs"/>
+              </a:rPr>
+              <a:t>				} catch (</a:t>
+            </a:r>
+            <a:r>
+              <a:rPr lang="en-US" altLang="zh-CN" sz="1200" b="0" i="0" kern="1200" dirty="0" err="1" smtClean="0">
+                <a:solidFill>
+                  <a:schemeClr val="tx1"/>
+                </a:solidFill>
+                <a:effectLst/>
+                <a:latin typeface="Arial" charset="0"/>
+                <a:ea typeface="+mn-ea"/>
+                <a:cs typeface="+mn-cs"/>
+              </a:rPr>
+              <a:t>InterruptedException</a:t>
+            </a:r>
+            <a:r>
+              <a:rPr lang="en-US" altLang="zh-CN" sz="1200" b="0" i="0" kern="1200" dirty="0" smtClean="0">
+                <a:solidFill>
+                  <a:schemeClr val="tx1"/>
+                </a:solidFill>
+                <a:effectLst/>
+                <a:latin typeface="Arial" charset="0"/>
+                <a:ea typeface="+mn-ea"/>
+                <a:cs typeface="+mn-cs"/>
+              </a:rPr>
+              <a:t> e) { </a:t>
+            </a:r>
+          </a:p>
+          <a:p>
+            <a:r>
+              <a:rPr lang="en-US" altLang="zh-CN" sz="1200" b="0" i="0" kern="1200" dirty="0" smtClean="0">
+                <a:solidFill>
+                  <a:schemeClr val="tx1"/>
+                </a:solidFill>
+                <a:effectLst/>
+                <a:latin typeface="Arial" charset="0"/>
+                <a:ea typeface="+mn-ea"/>
+                <a:cs typeface="+mn-cs"/>
+              </a:rPr>
+              <a:t>					</a:t>
+            </a:r>
+            <a:r>
+              <a:rPr lang="en-US" altLang="zh-CN" sz="1200" b="0" i="0" kern="1200" dirty="0" err="1" smtClean="0">
+                <a:solidFill>
+                  <a:schemeClr val="tx1"/>
+                </a:solidFill>
+                <a:effectLst/>
+                <a:latin typeface="Arial" charset="0"/>
+                <a:ea typeface="+mn-ea"/>
+                <a:cs typeface="+mn-cs"/>
+              </a:rPr>
+              <a:t>e.printStackTrace</a:t>
+            </a:r>
+            <a:r>
+              <a:rPr lang="en-US" altLang="zh-CN" sz="1200" b="0" i="0" kern="1200" dirty="0" smtClean="0">
+                <a:solidFill>
+                  <a:schemeClr val="tx1"/>
+                </a:solidFill>
+                <a:effectLst/>
+                <a:latin typeface="Arial" charset="0"/>
+                <a:ea typeface="+mn-ea"/>
+                <a:cs typeface="+mn-cs"/>
+              </a:rPr>
+              <a:t>(); </a:t>
+            </a:r>
+          </a:p>
+          <a:p>
+            <a:r>
+              <a:rPr lang="en-US" altLang="zh-CN" sz="1200" b="0" i="0" kern="1200" dirty="0" smtClean="0">
+                <a:solidFill>
+                  <a:schemeClr val="tx1"/>
+                </a:solidFill>
+                <a:effectLst/>
+                <a:latin typeface="Arial" charset="0"/>
+                <a:ea typeface="+mn-ea"/>
+                <a:cs typeface="+mn-cs"/>
+              </a:rPr>
+              <a:t>				} </a:t>
+            </a:r>
+          </a:p>
+          <a:p>
+            <a:r>
+              <a:rPr lang="en-US" altLang="zh-CN" sz="1200" b="0" i="0" kern="1200" dirty="0" smtClean="0">
+                <a:solidFill>
+                  <a:schemeClr val="tx1"/>
+                </a:solidFill>
+                <a:effectLst/>
+                <a:latin typeface="Arial" charset="0"/>
+                <a:ea typeface="+mn-ea"/>
+                <a:cs typeface="+mn-cs"/>
+              </a:rPr>
+              <a:t>			}</a:t>
+            </a:r>
+          </a:p>
+          <a:p>
+            <a:r>
+              <a:rPr lang="en-US" altLang="zh-CN" sz="1200" b="0" i="0" kern="1200" dirty="0" smtClean="0">
+                <a:solidFill>
+                  <a:schemeClr val="tx1"/>
+                </a:solidFill>
+                <a:effectLst/>
+                <a:latin typeface="Arial" charset="0"/>
+                <a:ea typeface="+mn-ea"/>
+                <a:cs typeface="+mn-cs"/>
+              </a:rPr>
+              <a:t>		} </a:t>
+            </a:r>
+          </a:p>
+          <a:p>
+            <a:r>
+              <a:rPr lang="en-US" altLang="zh-CN" sz="1200" b="0" i="0" kern="1200" dirty="0" smtClean="0">
+                <a:solidFill>
+                  <a:schemeClr val="tx1"/>
+                </a:solidFill>
+                <a:effectLst/>
+                <a:latin typeface="Arial" charset="0"/>
+                <a:ea typeface="+mn-ea"/>
+                <a:cs typeface="+mn-cs"/>
+              </a:rPr>
+              <a:t>	} </a:t>
+            </a:r>
+          </a:p>
+          <a:p>
+            <a:r>
+              <a:rPr lang="en-US" altLang="zh-CN" sz="1200" b="0" i="0" kern="1200" dirty="0" smtClean="0">
+                <a:solidFill>
+                  <a:schemeClr val="tx1"/>
+                </a:solidFill>
+                <a:effectLst/>
+                <a:latin typeface="Arial" charset="0"/>
+                <a:ea typeface="+mn-ea"/>
+                <a:cs typeface="+mn-cs"/>
+              </a:rPr>
+              <a:t>	public synchronized void run() { </a:t>
+            </a:r>
+          </a:p>
+          <a:p>
+            <a:r>
+              <a:rPr lang="en-US" altLang="zh-CN" sz="1200" b="0" i="0" kern="1200" dirty="0" smtClean="0">
+                <a:solidFill>
+                  <a:schemeClr val="tx1"/>
+                </a:solidFill>
+                <a:effectLst/>
+                <a:latin typeface="Arial" charset="0"/>
+                <a:ea typeface="+mn-ea"/>
+                <a:cs typeface="+mn-cs"/>
+              </a:rPr>
+              <a:t>		method();</a:t>
+            </a:r>
+          </a:p>
+          <a:p>
+            <a:r>
+              <a:rPr lang="en-US" altLang="zh-CN" sz="1200" b="0" i="0" kern="1200" smtClean="0">
+                <a:solidFill>
+                  <a:schemeClr val="tx1"/>
+                </a:solidFill>
+                <a:effectLst/>
+                <a:latin typeface="Arial" charset="0"/>
+                <a:ea typeface="+mn-ea"/>
+                <a:cs typeface="+mn-cs"/>
+              </a:rPr>
+              <a:t>	} </a:t>
+            </a:r>
+          </a:p>
+          <a:p>
+            <a:r>
+              <a:rPr lang="en-US" altLang="zh-CN" sz="1200" b="0" i="0" kern="1200" smtClean="0">
+                <a:solidFill>
+                  <a:schemeClr val="tx1"/>
+                </a:solidFill>
+                <a:effectLst/>
+                <a:latin typeface="Arial" charset="0"/>
+                <a:ea typeface="+mn-ea"/>
+                <a:cs typeface="+mn-cs"/>
+              </a:rPr>
+              <a:t>}</a:t>
+            </a:r>
             <a:endParaRPr lang="zh-CN" altLang="en-US" dirty="0"/>
           </a:p>
         </p:txBody>
@@ -14769,31 +14710,7 @@
                 <a:ea typeface="+mn-ea"/>
                 <a:cs typeface="+mn-cs"/>
               </a:rPr>
-              <a:t>方法的执行过程中如果没有启动其他的线程，则</a:t>
-            </a:r>
-            <a:r>
-              <a:rPr lang="zh-CN" altLang="zh-CN" sz="1200" kern="1200" dirty="0" smtClean="0">
-                <a:solidFill>
-                  <a:schemeClr val="tx1"/>
-                </a:solidFill>
-                <a:effectLst/>
-                <a:latin typeface="Arial" charset="0"/>
-                <a:ea typeface="+mn-ea"/>
-                <a:cs typeface="+mn-cs"/>
-              </a:rPr>
-              <a:t>当方法</a:t>
-            </a:r>
-            <a:r>
-              <a:rPr lang="zh-CN" altLang="zh-CN" sz="1200" kern="1200" dirty="0" smtClean="0">
-                <a:solidFill>
-                  <a:schemeClr val="tx1"/>
-                </a:solidFill>
-                <a:effectLst/>
-                <a:latin typeface="Arial" charset="0"/>
-                <a:ea typeface="+mn-ea"/>
-                <a:cs typeface="+mn-cs"/>
-              </a:rPr>
-              <a:t>执行完最后一条语句，</a:t>
+              <a:t>方法的执行过程中如果没有启动其他的线程，则当方法执行完最后一条语句，</a:t>
             </a:r>
             <a:r>
               <a:rPr lang="en-US" altLang="zh-CN" sz="1200" kern="1200" dirty="0" smtClean="0">
@@ -15348,14 +15265,7 @@
                 <a:latin typeface="微软雅黑" panose="020B0503020204020204" pitchFamily="34" charset="-122"/>
                 <a:ea typeface="微软雅黑" panose="020B0503020204020204" pitchFamily="34" charset="-122"/>
               </a:rPr>
-              <a:t>，各个状态及其之间的转换要通过调用所需的方法来</a:t>
-            </a:r>
-            <a:r>
-              <a:rPr lang="zh-CN" altLang="en-US" b="0" dirty="0" smtClean="0">
-                <a:latin typeface="微软雅黑" panose="020B0503020204020204" pitchFamily="34" charset="-122"/>
-                <a:ea typeface="微软雅黑" panose="020B0503020204020204" pitchFamily="34" charset="-122"/>
-              </a:rPr>
-              <a:t>实现</a:t>
+              <a:t>，各个状态及其之间的转换要通过调用所需的方法来实现</a:t>
             </a:r>
             <a:endParaRPr lang="en-US" altLang="zh-CN" b="0" dirty="0" smtClean="0">
               <a:latin typeface="微软雅黑" panose="020B0503020204020204" pitchFamily="34" charset="-122"/>
@@ -24545,15 +24455,7 @@
             </a:r>
             <a:r>
               <a:rPr lang="zh-CN" altLang="en-US" dirty="0" smtClean="0"/>
-              <a:t>的调度策略为按</a:t>
-            </a:r>
-            <a:r>
-              <a:rPr lang="zh-CN" altLang="en-US" dirty="0" smtClean="0"/>
-              <a:t>优先级调度</a:t>
-            </a:r>
-            <a:r>
-              <a:rPr lang="zh-CN" altLang="en-US" dirty="0" smtClean="0"/>
-              <a:t>，级别相同时由操作系统按时间片来分配</a:t>
+              <a:t>的调度策略为按优先级调度，级别相同时由操作系统按时间片来分配</a:t>
             </a:r>
             <a:r>
               <a:rPr lang="en-US" altLang="zh-CN" dirty="0" smtClean="0"/>
@@ -30378,19 +30280,11 @@
                   <a:srgbClr val="FF0000"/>
                 </a:solidFill>
               </a:rPr>
-              <a:t>synchronized</a:t>
+              <a:t>Synchronized</a:t>
             </a:r>
             <a:r>
               <a:rPr lang="zh-CN" altLang="en-US" dirty="0" smtClean="0"/>
-              <a:t>用在类声明中，则表明该类中的所有方法都是</a:t>
-            </a:r>
-            <a:r>
-              <a:rPr lang="en-US" altLang="zh-CN" dirty="0" smtClean="0"/>
-              <a:t>synchronized</a:t>
-            </a:r>
-            <a:r>
-              <a:rPr lang="zh-CN" altLang="en-US" dirty="0" smtClean="0"/>
-              <a:t>的</a:t>
+              <a:t>可以修饰类，则表明该类的所有对象共用一把锁</a:t>
             </a:r>
             <a:r>
               <a:rPr lang="en-US" altLang="zh-CN" dirty="0" smtClean="0"/>
@@ -30422,8 +30316,8 @@
         </p:nvSpPr>
         <p:spPr>
           <a:xfrm>
-            <a:off x="182563" y="2636838"/>
-            <a:ext cx="5037137" cy="3200400"/>
+            <a:off x="0" y="2348880"/>
+            <a:ext cx="4893493" cy="3200400"/>
           </a:xfrm>
           <a:prstGeom prst="rect">
             <a:avLst/>
@@ -30443,7 +30337,7 @@
           </a:ln>
         </p:spPr>
         <p:txBody>
-          <a:bodyPr>
+          <a:bodyPr wrap="square">
             <a:spAutoFit/>
           </a:bodyPr>
           <a:lstStyle>
@@ -30805,8 +30699,8 @@
         </p:nvSpPr>
         <p:spPr>
           <a:xfrm>
-            <a:off x="5435600" y="2636838"/>
-            <a:ext cx="3454400" cy="3200400"/>
+            <a:off x="5004048" y="2360899"/>
+            <a:ext cx="4139952" cy="3816429"/>
           </a:xfrm>
           <a:prstGeom prst="rect">
             <a:avLst/>
@@ -30826,7 +30720,7 @@
           </a:ln>
         </p:spPr>
         <p:txBody>
-          <a:bodyPr>
+          <a:bodyPr wrap="square">
             <a:spAutoFit/>
           </a:bodyPr>
           <a:lstStyle>
@@ -30937,31 +30831,22 @@
               <a:defRPr/>
             </a:pPr>
             <a:r>
-              <a:rPr lang="en-US" altLang="zh-CN" smtClean="0">
+              <a:rPr lang="en-US" altLang="zh-CN" dirty="0" smtClean="0">
                 <a:solidFill>
                   <a:schemeClr val="tx1"/>
                 </a:solidFill>
                 <a:ea typeface="宋体" charset="-122"/>
               </a:rPr>
-              <a:t>synchronized</a:t>
-            </a:r>
-            <a:r>
-              <a:rPr lang="zh-CN" altLang="en-US" smtClean="0">
+              <a:t>class </a:t>
+            </a:r>
+            <a:r>
+              <a:rPr lang="en-US" altLang="zh-CN" dirty="0" smtClean="0">
                 <a:solidFill>
                   <a:schemeClr val="tx1"/>
                 </a:solidFill>
                 <a:ea typeface="宋体" charset="-122"/>
               </a:rPr>
-              <a:t> </a:t>
-            </a:r>
-            <a:r>
-              <a:rPr lang="en-US" altLang="zh-CN" smtClean="0">
-                <a:solidFill>
-                  <a:schemeClr val="tx1"/>
-                </a:solidFill>
-                <a:ea typeface="宋体" charset="-122"/>
-              </a:rPr>
-              <a:t>class Stack{</a:t>
+              <a:t>Stack{</a:t>
             </a:r>
           </a:p>
           <a:p>
@@ -30974,14 +30859,130 @@
               <a:defRPr/>
             </a:pPr>
             <a:r>
-              <a:rPr lang="en-US" altLang="zh-CN" smtClean="0">
+              <a:rPr lang="en-US" altLang="zh-CN" dirty="0" smtClean="0">
                 <a:solidFill>
                   <a:schemeClr val="tx1"/>
                 </a:solidFill>
                 <a:ea typeface="宋体" charset="-122"/>
               </a:rPr>
-              <a:t>     int idx=0;</a:t>
-            </a:r>
+              <a:t>     </a:t>
+            </a:r>
+            <a:r>
+              <a:rPr lang="en-US" altLang="zh-CN" dirty="0" err="1" smtClean="0">
+                <a:solidFill>
+                  <a:schemeClr val="tx1"/>
+                </a:solidFill>
+                <a:ea typeface="宋体" charset="-122"/>
+              </a:rPr>
+              <a:t>int</a:t>
+            </a:r>
+            <a:r>
+              <a:rPr lang="en-US" altLang="zh-CN" dirty="0" smtClean="0">
+                <a:solidFill>
+                  <a:schemeClr val="tx1"/>
+                </a:solidFill>
+                <a:ea typeface="宋体" charset="-122"/>
+              </a:rPr>
+              <a:t> </a:t>
+            </a:r>
+            <a:r>
+              <a:rPr lang="en-US" altLang="zh-CN" dirty="0" err="1" smtClean="0">
+                <a:solidFill>
+                  <a:schemeClr val="tx1"/>
+                </a:solidFill>
+                <a:ea typeface="宋体" charset="-122"/>
+              </a:rPr>
+              <a:t>idx</a:t>
+            </a:r>
+            <a:r>
+              <a:rPr lang="en-US" altLang="zh-CN" dirty="0" smtClean="0">
+                <a:solidFill>
+                  <a:schemeClr val="tx1"/>
+                </a:solidFill>
+                <a:ea typeface="宋体" charset="-122"/>
+              </a:rPr>
+              <a:t>=0;</a:t>
+            </a:r>
+          </a:p>
+          <a:p>
+            <a:pPr algn="just" eaLnBrk="1" hangingPunct="1">
+              <a:buClr>
+                <a:schemeClr val="tx1"/>
+              </a:buClr>
+              <a:buFont typeface="Monotype Sorts" pitchFamily="2" charset="2"/>
+              <a:buNone/>
+              <a:defRPr/>
+            </a:pPr>
+            <a:r>
+              <a:rPr lang="en-US" altLang="zh-CN" dirty="0" smtClean="0">
+                <a:solidFill>
+                  <a:schemeClr val="tx1"/>
+                </a:solidFill>
+                <a:ea typeface="宋体" charset="-122"/>
+              </a:rPr>
+              <a:t>     public void push(char c</a:t>
+            </a:r>
+            <a:r>
+              <a:rPr lang="en-US" altLang="zh-CN" dirty="0">
+                <a:solidFill>
+                  <a:schemeClr val="tx1"/>
+                </a:solidFill>
+                <a:ea typeface="宋体" charset="-122"/>
+              </a:rPr>
+              <a:t>){</a:t>
+            </a:r>
+          </a:p>
+          <a:p>
+            <a:pPr algn="just" eaLnBrk="1" hangingPunct="1">
+              <a:buClr>
+                <a:schemeClr val="tx1"/>
+              </a:buClr>
+              <a:buFont typeface="Monotype Sorts" pitchFamily="2" charset="2"/>
+              <a:buNone/>
+              <a:defRPr/>
+            </a:pPr>
+            <a:r>
+              <a:rPr lang="en-US" altLang="zh-CN" dirty="0" smtClean="0">
+                <a:solidFill>
+                  <a:srgbClr val="FF0000"/>
+                </a:solidFill>
+                <a:ea typeface="宋体" charset="-122"/>
+              </a:rPr>
+              <a:t>           synchronized(</a:t>
+            </a:r>
+            <a:r>
+              <a:rPr lang="en-US" altLang="zh-CN" dirty="0" err="1" smtClean="0">
+                <a:solidFill>
+                  <a:srgbClr val="FF0000"/>
+                </a:solidFill>
+                <a:ea typeface="宋体" charset="-122"/>
+              </a:rPr>
+              <a:t>Stack.class</a:t>
+            </a:r>
+            <a:r>
+              <a:rPr lang="en-US" altLang="zh-CN" dirty="0" smtClean="0">
+                <a:solidFill>
+                  <a:srgbClr val="FF0000"/>
+                </a:solidFill>
+                <a:ea typeface="宋体" charset="-122"/>
+              </a:rPr>
+              <a:t>)</a:t>
+            </a:r>
+            <a:r>
+              <a:rPr lang="en-US" altLang="zh-CN" dirty="0" smtClean="0">
+                <a:solidFill>
+                  <a:schemeClr val="tx1"/>
+                </a:solidFill>
+                <a:ea typeface="宋体" charset="-122"/>
+              </a:rPr>
+              <a:t>{</a:t>
+            </a:r>
+            <a:endParaRPr lang="en-US" altLang="zh-CN" dirty="0" smtClean="0">
+              <a:solidFill>
+                <a:schemeClr val="tx1"/>
+              </a:solidFill>
+              <a:ea typeface="宋体" charset="-122"/>
+            </a:endParaRPr>
           </a:p>
           <a:p>
             <a:pPr algn="just" eaLnBrk="1" hangingPunct="1">
@@ -30996,13 +30997,40 @@
               <a:defRPr/>
             </a:pPr>
             <a:r>
-              <a:rPr lang="en-US" altLang="zh-CN" smtClean="0">
+              <a:rPr lang="en-US" altLang="zh-CN" dirty="0" smtClean="0">
                 <a:solidFill>
                   <a:schemeClr val="tx1"/>
                 </a:solidFill>
                 <a:ea typeface="宋体" charset="-122"/>
               </a:rPr>
-              <a:t>     public void push(char c){</a:t>
+              <a:t>            </a:t>
+            </a:r>
+            <a:r>
+              <a:rPr lang="en-US" altLang="zh-CN" dirty="0" smtClean="0">
+                <a:solidFill>
+                  <a:schemeClr val="tx1"/>
+                </a:solidFill>
+                <a:ea typeface="宋体" charset="-122"/>
+              </a:rPr>
+              <a:t>     data[</a:t>
+            </a:r>
+            <a:r>
+              <a:rPr lang="en-US" altLang="zh-CN" dirty="0" err="1" smtClean="0">
+                <a:solidFill>
+                  <a:schemeClr val="tx1"/>
+                </a:solidFill>
+                <a:ea typeface="宋体" charset="-122"/>
+              </a:rPr>
+              <a:t>idx</a:t>
+            </a:r>
+            <a:r>
+              <a:rPr lang="en-US" altLang="zh-CN" dirty="0" smtClean="0">
+                <a:solidFill>
+                  <a:schemeClr val="tx1"/>
+                </a:solidFill>
+                <a:ea typeface="宋体" charset="-122"/>
+              </a:rPr>
+              <a:t>]=c;</a:t>
             </a:r>
           </a:p>
           <a:p>
@@ -31018,13 +31046,40 @@
               <a:defRPr/>
             </a:pPr>
             <a:r>
-              <a:rPr lang="en-US" altLang="zh-CN" smtClean="0">
+              <a:rPr lang="en-US" altLang="zh-CN" dirty="0" smtClean="0">
                 <a:solidFill>
                   <a:schemeClr val="tx1"/>
                 </a:solidFill>
                 <a:ea typeface="宋体" charset="-122"/>
               </a:rPr>
-              <a:t>                data[idx]=c;</a:t>
+              <a:t>               </a:t>
+            </a:r>
+            <a:r>
+              <a:rPr lang="en-US" altLang="zh-CN" dirty="0" smtClean="0">
+                <a:solidFill>
+                  <a:schemeClr val="tx1"/>
+                </a:solidFill>
+                <a:ea typeface="宋体" charset="-122"/>
+              </a:rPr>
+              <a:t>  </a:t>
+            </a:r>
+            <a:r>
+              <a:rPr lang="en-US" altLang="zh-CN" dirty="0" err="1" smtClean="0">
+                <a:solidFill>
+                  <a:schemeClr val="tx1"/>
+                </a:solidFill>
+                <a:ea typeface="宋体" charset="-122"/>
+              </a:rPr>
+              <a:t>idx</a:t>
+            </a:r>
+            <a:r>
+              <a:rPr lang="en-US" altLang="zh-CN" dirty="0" smtClean="0">
+                <a:solidFill>
+                  <a:schemeClr val="tx1"/>
+                </a:solidFill>
+                <a:ea typeface="宋体" charset="-122"/>
+              </a:rPr>
+              <a:t>++;</a:t>
             </a:r>
           </a:p>
           <a:p>
@@ -31040,14 +31095,20 @@
               <a:defRPr/>
             </a:pPr>
             <a:r>
-              <a:rPr lang="en-US" altLang="zh-CN" smtClean="0">
+              <a:rPr lang="en-US" altLang="zh-CN" dirty="0" smtClean="0">
                 <a:solidFill>
                   <a:schemeClr val="tx1"/>
                 </a:solidFill>
                 <a:ea typeface="宋体" charset="-122"/>
               </a:rPr>
-              <a:t>                idx++;</a:t>
-            </a:r>
+              <a:t>           }</a:t>
+            </a:r>
+            <a:endParaRPr lang="en-US" altLang="zh-CN" dirty="0" smtClean="0">
+              <a:solidFill>
+                <a:schemeClr val="tx1"/>
+              </a:solidFill>
+              <a:ea typeface="宋体" charset="-122"/>
+            </a:endParaRPr>
           </a:p>
           <a:p>
             <a:pPr algn="just" eaLnBrk="1" hangingPunct="1">
@@ -31062,7 +31123,7 @@
               <a:defRPr/>
             </a:pPr>
             <a:r>
-              <a:rPr lang="en-US" altLang="zh-CN" smtClean="0">
+              <a:rPr lang="en-US" altLang="zh-CN" dirty="0" smtClean="0">
                 <a:solidFill>
                   <a:schemeClr val="tx1"/>
                 </a:solidFill>
@@ -31084,7 +31145,7 @@
               <a:defRPr/>
             </a:pPr>
             <a:r>
-              <a:rPr lang="en-US" altLang="zh-CN" smtClean="0">
+              <a:rPr lang="en-US" altLang="zh-CN" dirty="0" smtClean="0">
                 <a:solidFill>
                   <a:schemeClr val="tx1"/>
                 </a:solidFill>
@@ -31106,13 +31167,40 @@
               <a:defRPr/>
             </a:pPr>
             <a:r>
-              <a:rPr lang="en-US" altLang="zh-CN" smtClean="0">
+              <a:rPr lang="en-US" altLang="zh-CN" dirty="0" smtClean="0">
                 <a:solidFill>
                   <a:schemeClr val="tx1"/>
                 </a:solidFill>
                 <a:ea typeface="宋体" charset="-122"/>
               </a:rPr>
-              <a:t>          	      idx--;</a:t>
+              <a:t>           </a:t>
+            </a:r>
+            <a:r>
+              <a:rPr lang="en-US" altLang="zh-CN" dirty="0" err="1" smtClean="0">
+                <a:solidFill>
+                  <a:schemeClr val="tx1"/>
+                </a:solidFill>
+                <a:ea typeface="宋体" charset="-122"/>
+              </a:rPr>
+              <a:t>idx</a:t>
+            </a:r>
+            <a:r>
+              <a:rPr lang="en-US" altLang="zh-CN" dirty="0" smtClean="0">
+                <a:solidFill>
+                  <a:schemeClr val="tx1"/>
+                </a:solidFill>
+                <a:ea typeface="宋体" charset="-122"/>
+              </a:rPr>
+              <a:t>-</a:t>
+            </a:r>
+            <a:r>
+              <a:rPr lang="en-US" altLang="zh-CN" dirty="0" smtClean="0">
+                <a:solidFill>
+                  <a:schemeClr val="tx1"/>
+                </a:solidFill>
+                <a:ea typeface="宋体" charset="-122"/>
+              </a:rPr>
+              <a:t>-;</a:t>
             </a:r>
           </a:p>
           <a:p>
@@ -31128,13 +31216,49 @@
               <a:defRPr/>
             </a:pPr>
             <a:r>
-              <a:rPr lang="en-US" altLang="zh-CN" smtClean="0">
+              <a:rPr lang="en-US" altLang="zh-CN" dirty="0" smtClean="0">
                 <a:solidFill>
                   <a:schemeClr val="tx1"/>
                 </a:solidFill>
                 <a:ea typeface="宋体" charset="-122"/>
               </a:rPr>
-              <a:t>                   return data[idx];</a:t>
+              <a:t>           </a:t>
+            </a:r>
+            <a:r>
+              <a:rPr lang="en-US" altLang="zh-CN" dirty="0" smtClean="0">
+                <a:solidFill>
+                  <a:schemeClr val="tx1"/>
+                </a:solidFill>
+                <a:ea typeface="宋体" charset="-122"/>
+              </a:rPr>
+              <a:t>return </a:t>
+            </a:r>
+            <a:r>
+              <a:rPr lang="en-US" altLang="zh-CN" dirty="0" smtClean="0">
+                <a:solidFill>
+                  <a:schemeClr val="tx1"/>
+                </a:solidFill>
+                <a:ea typeface="宋体" charset="-122"/>
+              </a:rPr>
+              <a:t>data[</a:t>
+            </a:r>
+            <a:r>
+              <a:rPr lang="en-US" altLang="zh-CN" dirty="0" err="1" smtClean="0">
+                <a:solidFill>
+                  <a:schemeClr val="tx1"/>
+                </a:solidFill>
+                <a:ea typeface="宋体" charset="-122"/>
+              </a:rPr>
+              <a:t>idx</a:t>
+            </a:r>
+            <a:r>
+              <a:rPr lang="en-US" altLang="zh-CN" dirty="0" smtClean="0">
+                <a:solidFill>
+                  <a:schemeClr val="tx1"/>
+                </a:solidFill>
+                <a:ea typeface="宋体" charset="-122"/>
+              </a:rPr>
+              <a:t>];</a:t>
             </a:r>
           </a:p>
           <a:p>
@@ -31150,7 +31274,7 @@
               <a:defRPr/>
             </a:pPr>
             <a:r>
-              <a:rPr lang="en-US" altLang="zh-CN" smtClean="0">
+              <a:rPr lang="en-US" altLang="zh-CN" dirty="0" smtClean="0">
                 <a:solidFill>
                   <a:schemeClr val="tx1"/>
                 </a:solidFill>
@@ -31172,7 +31296,7 @@
               <a:defRPr/>
             </a:pPr>
             <a:r>
-              <a:rPr lang="en-US" altLang="zh-CN" smtClean="0">
+              <a:rPr lang="en-US" altLang="zh-CN" dirty="0" smtClean="0">
                 <a:solidFill>
                   <a:schemeClr val="tx1"/>
                 </a:solidFill>
@@ -31180,7 +31304,7 @@
               </a:rPr>
               <a:t>}</a:t>
             </a:r>
-            <a:endParaRPr lang="zh-CN" altLang="en-US" smtClean="0">
+            <a:endParaRPr lang="zh-CN" altLang="en-US" dirty="0" smtClean="0">
               <a:solidFill>
                 <a:schemeClr val="tx1"/>
               </a:solidFill>
@@ -31197,7 +31321,7 @@
         </p:nvSpPr>
         <p:spPr>
           <a:xfrm>
-            <a:off x="1691680" y="5949280"/>
+            <a:off x="683568" y="6133466"/>
             <a:ext cx="5904656" cy="707886"/>
           </a:xfrm>
           <a:prstGeom prst="rect">
@@ -34878,11 +35002,7 @@
             <a:pPr lvl="1"/>
             <a:r>
               <a:rPr lang="zh-CN" altLang="en-US" dirty="0" smtClean="0"/>
-              <a:t>不可剥夺</a:t>
-            </a:r>
-            <a:r>
-              <a:rPr lang="zh-CN" altLang="en-US" dirty="0" smtClean="0"/>
-              <a:t>条件：进程已获得的资源，在未使用完之前，不能被剥夺，只能在使用完时由自己释放</a:t>
+              <a:t>不可剥夺条件：进程已获得的资源，在未使用完之前，不能被剥夺，只能在使用完时由自己释放</a:t>
             </a:r>
             <a:r>
               <a:rPr lang="en-US" altLang="zh-CN" dirty="0" smtClean="0"/>

--- a/ch15/第15章 线程和多线程.pptx
+++ b/ch15/第15章 线程和多线程.pptx
@@ -5929,710 +5929,6 @@
       <dsp:cNvGrpSpPr/>
     </dsp:nvGrpSpPr>
     <dsp:grpSpPr/>
-    <dsp:sp modelId="{2D950C6A-D143-4F20-B246-F7228576DDBE}">
-      <dsp:nvSpPr>
-        <dsp:cNvPr id="0" name=""/>
-        <dsp:cNvSpPr/>
-      </dsp:nvSpPr>
-      <dsp:spPr>
-        <a:xfrm rot="5400000">
-          <a:off x="7252168" y="-3045911"/>
-          <a:ext cx="935176" cy="7265653"/>
-        </a:xfrm>
-        <a:prstGeom prst="round2SameRect">
-          <a:avLst/>
-        </a:prstGeom>
-        <a:solidFill>
-          <a:schemeClr val="accent1">
-            <a:alpha val="90000"/>
-            <a:tint val="40000"/>
-            <a:hueOff val="0"/>
-            <a:satOff val="0"/>
-            <a:lumOff val="0"/>
-            <a:alphaOff val="0"/>
-          </a:schemeClr>
-        </a:solidFill>
-        <a:ln w="25400" cap="flat" cmpd="sng" algn="ctr">
-          <a:solidFill>
-            <a:schemeClr val="accent1">
-              <a:alpha val="90000"/>
-              <a:tint val="40000"/>
-              <a:hueOff val="0"/>
-              <a:satOff val="0"/>
-              <a:lumOff val="0"/>
-              <a:alphaOff val="0"/>
-            </a:schemeClr>
-          </a:solidFill>
-          <a:prstDash val="solid"/>
-        </a:ln>
-        <a:effectLst/>
-      </dsp:spPr>
-      <dsp:style>
-        <a:lnRef idx="2">
-          <a:scrgbClr r="0" g="0" b="0"/>
-        </a:lnRef>
-        <a:fillRef idx="1">
-          <a:scrgbClr r="0" g="0" b="0"/>
-        </a:fillRef>
-        <a:effectRef idx="0">
-          <a:scrgbClr r="0" g="0" b="0"/>
-        </a:effectRef>
-        <a:fontRef idx="minor"/>
-      </dsp:style>
-      <dsp:txBody>
-        <a:bodyPr spcFirstLastPara="0" vert="horz" wrap="square" lIns="72390" tIns="36195" rIns="72390" bIns="36195" numCol="1" spcCol="1270" anchor="ctr" anchorCtr="0">
-          <a:noAutofit/>
-        </a:bodyPr>
-        <a:lstStyle/>
-        <a:p>
-          <a:pPr marL="171450" lvl="1" indent="-171450" algn="l" defTabSz="844550">
-            <a:lnSpc>
-              <a:spcPct val="90000"/>
-            </a:lnSpc>
-            <a:spcBef>
-              <a:spcPct val="0"/>
-            </a:spcBef>
-            <a:spcAft>
-              <a:spcPct val="15000"/>
-            </a:spcAft>
-            <a:buChar char="••"/>
-          </a:pPr>
-          <a:r>
-            <a:rPr lang="zh-CN" altLang="en-US" sz="1900" kern="1200" dirty="0" smtClean="0"/>
-            <a:t>一个线程永远占用某一共享资源</a:t>
-          </a:r>
-          <a:endParaRPr lang="zh-CN" altLang="en-US" sz="1900" kern="1200" dirty="0"/>
-        </a:p>
-      </dsp:txBody>
-      <dsp:txXfrm rot="-5400000">
-        <a:off x="4086930" y="164979"/>
-        <a:ext cx="7220001" cy="843872"/>
-      </dsp:txXfrm>
-    </dsp:sp>
-    <dsp:sp modelId="{D483DFF6-0865-4F4F-BD1C-0BC4E5F66E88}">
-      <dsp:nvSpPr>
-        <dsp:cNvPr id="0" name=""/>
-        <dsp:cNvSpPr/>
-      </dsp:nvSpPr>
-      <dsp:spPr>
-        <a:xfrm>
-          <a:off x="0" y="2430"/>
-          <a:ext cx="4086930" cy="1168970"/>
-        </a:xfrm>
-        <a:prstGeom prst="roundRect">
-          <a:avLst/>
-        </a:prstGeom>
-        <a:solidFill>
-          <a:schemeClr val="accent1">
-            <a:hueOff val="0"/>
-            <a:satOff val="0"/>
-            <a:lumOff val="0"/>
-            <a:alphaOff val="0"/>
-          </a:schemeClr>
-        </a:solidFill>
-        <a:ln w="25400" cap="flat" cmpd="sng" algn="ctr">
-          <a:solidFill>
-            <a:schemeClr val="lt1">
-              <a:hueOff val="0"/>
-              <a:satOff val="0"/>
-              <a:lumOff val="0"/>
-              <a:alphaOff val="0"/>
-            </a:schemeClr>
-          </a:solidFill>
-          <a:prstDash val="solid"/>
-        </a:ln>
-        <a:effectLst/>
-      </dsp:spPr>
-      <dsp:style>
-        <a:lnRef idx="2">
-          <a:scrgbClr r="0" g="0" b="0"/>
-        </a:lnRef>
-        <a:fillRef idx="1">
-          <a:scrgbClr r="0" g="0" b="0"/>
-        </a:fillRef>
-        <a:effectRef idx="0">
-          <a:scrgbClr r="0" g="0" b="0"/>
-        </a:effectRef>
-        <a:fontRef idx="minor">
-          <a:schemeClr val="lt1"/>
-        </a:fontRef>
-      </dsp:style>
-      <dsp:txBody>
-        <a:bodyPr spcFirstLastPara="0" vert="horz" wrap="square" lIns="167640" tIns="83820" rIns="167640" bIns="83820" numCol="1" spcCol="1270" anchor="ctr" anchorCtr="0">
-          <a:noAutofit/>
-        </a:bodyPr>
-        <a:lstStyle/>
-        <a:p>
-          <a:pPr lvl="0" algn="ctr" defTabSz="1955800">
-            <a:lnSpc>
-              <a:spcPct val="90000"/>
-            </a:lnSpc>
-            <a:spcBef>
-              <a:spcPct val="0"/>
-            </a:spcBef>
-            <a:spcAft>
-              <a:spcPct val="35000"/>
-            </a:spcAft>
-          </a:pPr>
-          <a:r>
-            <a:rPr lang="zh-CN" altLang="en-US" sz="4400" kern="1200" dirty="0" smtClean="0"/>
-            <a:t>相互排斥</a:t>
-          </a:r>
-          <a:endParaRPr lang="zh-CN" altLang="en-US" sz="4400" kern="1200" dirty="0"/>
-        </a:p>
-      </dsp:txBody>
-      <dsp:txXfrm>
-        <a:off x="57064" y="59494"/>
-        <a:ext cx="3972802" cy="1054842"/>
-      </dsp:txXfrm>
-    </dsp:sp>
-    <dsp:sp modelId="{0ED8EE5A-5D56-46B2-9B57-AB76552A2E7F}">
-      <dsp:nvSpPr>
-        <dsp:cNvPr id="0" name=""/>
-        <dsp:cNvSpPr/>
-      </dsp:nvSpPr>
-      <dsp:spPr>
-        <a:xfrm rot="5400000">
-          <a:off x="7252168" y="-1818492"/>
-          <a:ext cx="935176" cy="7265653"/>
-        </a:xfrm>
-        <a:prstGeom prst="round2SameRect">
-          <a:avLst/>
-        </a:prstGeom>
-        <a:solidFill>
-          <a:schemeClr val="accent1">
-            <a:alpha val="90000"/>
-            <a:tint val="40000"/>
-            <a:hueOff val="0"/>
-            <a:satOff val="0"/>
-            <a:lumOff val="0"/>
-            <a:alphaOff val="0"/>
-          </a:schemeClr>
-        </a:solidFill>
-        <a:ln w="25400" cap="flat" cmpd="sng" algn="ctr">
-          <a:solidFill>
-            <a:schemeClr val="accent1">
-              <a:alpha val="90000"/>
-              <a:tint val="40000"/>
-              <a:hueOff val="0"/>
-              <a:satOff val="0"/>
-              <a:lumOff val="0"/>
-              <a:alphaOff val="0"/>
-            </a:schemeClr>
-          </a:solidFill>
-          <a:prstDash val="solid"/>
-        </a:ln>
-        <a:effectLst/>
-      </dsp:spPr>
-      <dsp:style>
-        <a:lnRef idx="2">
-          <a:scrgbClr r="0" g="0" b="0"/>
-        </a:lnRef>
-        <a:fillRef idx="1">
-          <a:scrgbClr r="0" g="0" b="0"/>
-        </a:fillRef>
-        <a:effectRef idx="0">
-          <a:scrgbClr r="0" g="0" b="0"/>
-        </a:effectRef>
-        <a:fontRef idx="minor"/>
-      </dsp:style>
-      <dsp:txBody>
-        <a:bodyPr spcFirstLastPara="0" vert="horz" wrap="square" lIns="72390" tIns="36195" rIns="72390" bIns="36195" numCol="1" spcCol="1270" anchor="ctr" anchorCtr="0">
-          <a:noAutofit/>
-        </a:bodyPr>
-        <a:lstStyle/>
-        <a:p>
-          <a:pPr marL="171450" lvl="1" indent="-171450" algn="l" defTabSz="844550">
-            <a:lnSpc>
-              <a:spcPct val="90000"/>
-            </a:lnSpc>
-            <a:spcBef>
-              <a:spcPct val="0"/>
-            </a:spcBef>
-            <a:spcAft>
-              <a:spcPct val="15000"/>
-            </a:spcAft>
-            <a:buChar char="••"/>
-          </a:pPr>
-          <a:r>
-            <a:rPr lang="zh-CN" altLang="en-US" sz="1900" kern="1200" dirty="0" smtClean="0"/>
-            <a:t>线程</a:t>
-          </a:r>
-          <a:r>
-            <a:rPr lang="en-US" altLang="zh-CN" sz="1900" kern="1200" dirty="0" smtClean="0"/>
-            <a:t>A</a:t>
-          </a:r>
-          <a:r>
-            <a:rPr lang="zh-CN" altLang="en-US" sz="1900" kern="1200" dirty="0" smtClean="0"/>
-            <a:t>在等待线程</a:t>
-          </a:r>
-          <a:r>
-            <a:rPr lang="en-US" altLang="zh-CN" sz="1900" kern="1200" dirty="0" smtClean="0"/>
-            <a:t>B</a:t>
-          </a:r>
-          <a:r>
-            <a:rPr lang="zh-CN" altLang="en-US" sz="1900" kern="1200" dirty="0" smtClean="0"/>
-            <a:t>，线程</a:t>
-          </a:r>
-          <a:r>
-            <a:rPr lang="en-US" altLang="zh-CN" sz="1900" kern="1200" dirty="0" smtClean="0"/>
-            <a:t>B</a:t>
-          </a:r>
-          <a:r>
-            <a:rPr lang="zh-CN" altLang="en-US" sz="1900" kern="1200" dirty="0" smtClean="0"/>
-            <a:t>在等待线程</a:t>
-          </a:r>
-          <a:r>
-            <a:rPr lang="en-US" altLang="zh-CN" sz="1900" kern="1200" dirty="0" smtClean="0"/>
-            <a:t>C</a:t>
-          </a:r>
-          <a:r>
-            <a:rPr lang="zh-CN" altLang="en-US" sz="1900" kern="1200" dirty="0" smtClean="0"/>
-            <a:t>，线程</a:t>
-          </a:r>
-          <a:r>
-            <a:rPr lang="en-US" altLang="zh-CN" sz="1900" kern="1200" dirty="0" smtClean="0"/>
-            <a:t>C</a:t>
-          </a:r>
-          <a:r>
-            <a:rPr lang="zh-CN" altLang="en-US" sz="1900" kern="1200" dirty="0" smtClean="0"/>
-            <a:t>在等待线程</a:t>
-          </a:r>
-          <a:r>
-            <a:rPr lang="en-US" altLang="zh-CN" sz="1900" kern="1200" dirty="0" smtClean="0"/>
-            <a:t>A</a:t>
-          </a:r>
-          <a:endParaRPr lang="zh-CN" altLang="en-US" sz="1900" kern="1200" dirty="0"/>
-        </a:p>
-      </dsp:txBody>
-      <dsp:txXfrm rot="-5400000">
-        <a:off x="4086930" y="1392398"/>
-        <a:ext cx="7220001" cy="843872"/>
-      </dsp:txXfrm>
-    </dsp:sp>
-    <dsp:sp modelId="{A9780D61-F962-4F66-92F0-A42D34B82F95}">
-      <dsp:nvSpPr>
-        <dsp:cNvPr id="0" name=""/>
-        <dsp:cNvSpPr/>
-      </dsp:nvSpPr>
-      <dsp:spPr>
-        <a:xfrm>
-          <a:off x="0" y="1229849"/>
-          <a:ext cx="4086930" cy="1168970"/>
-        </a:xfrm>
-        <a:prstGeom prst="roundRect">
-          <a:avLst/>
-        </a:prstGeom>
-        <a:solidFill>
-          <a:schemeClr val="accent1">
-            <a:hueOff val="0"/>
-            <a:satOff val="0"/>
-            <a:lumOff val="0"/>
-            <a:alphaOff val="0"/>
-          </a:schemeClr>
-        </a:solidFill>
-        <a:ln w="25400" cap="flat" cmpd="sng" algn="ctr">
-          <a:solidFill>
-            <a:schemeClr val="lt1">
-              <a:hueOff val="0"/>
-              <a:satOff val="0"/>
-              <a:lumOff val="0"/>
-              <a:alphaOff val="0"/>
-            </a:schemeClr>
-          </a:solidFill>
-          <a:prstDash val="solid"/>
-        </a:ln>
-        <a:effectLst/>
-      </dsp:spPr>
-      <dsp:style>
-        <a:lnRef idx="2">
-          <a:scrgbClr r="0" g="0" b="0"/>
-        </a:lnRef>
-        <a:fillRef idx="1">
-          <a:scrgbClr r="0" g="0" b="0"/>
-        </a:fillRef>
-        <a:effectRef idx="0">
-          <a:scrgbClr r="0" g="0" b="0"/>
-        </a:effectRef>
-        <a:fontRef idx="minor">
-          <a:schemeClr val="lt1"/>
-        </a:fontRef>
-      </dsp:style>
-      <dsp:txBody>
-        <a:bodyPr spcFirstLastPara="0" vert="horz" wrap="square" lIns="167640" tIns="83820" rIns="167640" bIns="83820" numCol="1" spcCol="1270" anchor="ctr" anchorCtr="0">
-          <a:noAutofit/>
-        </a:bodyPr>
-        <a:lstStyle/>
-        <a:p>
-          <a:pPr lvl="0" algn="ctr" defTabSz="1955800">
-            <a:lnSpc>
-              <a:spcPct val="90000"/>
-            </a:lnSpc>
-            <a:spcBef>
-              <a:spcPct val="0"/>
-            </a:spcBef>
-            <a:spcAft>
-              <a:spcPct val="35000"/>
-            </a:spcAft>
-          </a:pPr>
-          <a:r>
-            <a:rPr lang="zh-CN" altLang="en-US" sz="4400" kern="1200" dirty="0" smtClean="0"/>
-            <a:t>循环等待</a:t>
-          </a:r>
-          <a:endParaRPr lang="zh-CN" altLang="en-US" sz="4400" kern="1200" dirty="0"/>
-        </a:p>
-      </dsp:txBody>
-      <dsp:txXfrm>
-        <a:off x="57064" y="1286913"/>
-        <a:ext cx="3972802" cy="1054842"/>
-      </dsp:txXfrm>
-    </dsp:sp>
-    <dsp:sp modelId="{6B8114D3-5114-4DC9-9A9B-0D63B4B9B05F}">
-      <dsp:nvSpPr>
-        <dsp:cNvPr id="0" name=""/>
-        <dsp:cNvSpPr/>
-      </dsp:nvSpPr>
-      <dsp:spPr>
-        <a:xfrm rot="5400000">
-          <a:off x="7252168" y="-591073"/>
-          <a:ext cx="935176" cy="7265653"/>
-        </a:xfrm>
-        <a:prstGeom prst="round2SameRect">
-          <a:avLst/>
-        </a:prstGeom>
-        <a:solidFill>
-          <a:schemeClr val="accent1">
-            <a:alpha val="90000"/>
-            <a:tint val="40000"/>
-            <a:hueOff val="0"/>
-            <a:satOff val="0"/>
-            <a:lumOff val="0"/>
-            <a:alphaOff val="0"/>
-          </a:schemeClr>
-        </a:solidFill>
-        <a:ln w="25400" cap="flat" cmpd="sng" algn="ctr">
-          <a:solidFill>
-            <a:schemeClr val="accent1">
-              <a:alpha val="90000"/>
-              <a:tint val="40000"/>
-              <a:hueOff val="0"/>
-              <a:satOff val="0"/>
-              <a:lumOff val="0"/>
-              <a:alphaOff val="0"/>
-            </a:schemeClr>
-          </a:solidFill>
-          <a:prstDash val="solid"/>
-        </a:ln>
-        <a:effectLst/>
-      </dsp:spPr>
-      <dsp:style>
-        <a:lnRef idx="2">
-          <a:scrgbClr r="0" g="0" b="0"/>
-        </a:lnRef>
-        <a:fillRef idx="1">
-          <a:scrgbClr r="0" g="0" b="0"/>
-        </a:fillRef>
-        <a:effectRef idx="0">
-          <a:scrgbClr r="0" g="0" b="0"/>
-        </a:effectRef>
-        <a:fontRef idx="minor"/>
-      </dsp:style>
-      <dsp:txBody>
-        <a:bodyPr spcFirstLastPara="0" vert="horz" wrap="square" lIns="72390" tIns="36195" rIns="72390" bIns="36195" numCol="1" spcCol="1270" anchor="ctr" anchorCtr="0">
-          <a:noAutofit/>
-        </a:bodyPr>
-        <a:lstStyle/>
-        <a:p>
-          <a:pPr marL="171450" lvl="1" indent="-171450" algn="l" defTabSz="844550">
-            <a:lnSpc>
-              <a:spcPct val="90000"/>
-            </a:lnSpc>
-            <a:spcBef>
-              <a:spcPct val="0"/>
-            </a:spcBef>
-            <a:spcAft>
-              <a:spcPct val="15000"/>
-            </a:spcAft>
-            <a:buChar char="••"/>
-          </a:pPr>
-          <a:r>
-            <a:rPr lang="zh-CN" altLang="en-US" sz="1900" kern="1200" dirty="0" smtClean="0"/>
-            <a:t>线程</a:t>
-          </a:r>
-          <a:r>
-            <a:rPr lang="en-US" altLang="zh-CN" sz="1900" kern="1200" dirty="0" smtClean="0"/>
-            <a:t>A</a:t>
-          </a:r>
-          <a:r>
-            <a:rPr lang="zh-CN" altLang="en-US" sz="1900" kern="1200" dirty="0" smtClean="0"/>
-            <a:t>得到了资源</a:t>
-          </a:r>
-          <a:r>
-            <a:rPr lang="en-US" altLang="zh-CN" sz="1900" kern="1200" dirty="0" smtClean="0"/>
-            <a:t>1</a:t>
-          </a:r>
-          <a:r>
-            <a:rPr lang="zh-CN" altLang="en-US" sz="1900" kern="1200" dirty="0" smtClean="0"/>
-            <a:t>，线程</a:t>
-          </a:r>
-          <a:r>
-            <a:rPr lang="en-US" altLang="zh-CN" sz="1900" kern="1200" dirty="0" smtClean="0"/>
-            <a:t>B</a:t>
-          </a:r>
-          <a:r>
-            <a:rPr lang="zh-CN" altLang="en-US" sz="1900" kern="1200" dirty="0" smtClean="0"/>
-            <a:t>得到了资源</a:t>
-          </a:r>
-          <a:r>
-            <a:rPr lang="en-US" altLang="zh-CN" sz="1900" kern="1200" dirty="0" smtClean="0"/>
-            <a:t>2</a:t>
-          </a:r>
-          <a:r>
-            <a:rPr lang="zh-CN" altLang="en-US" sz="1900" kern="1200" dirty="0" smtClean="0"/>
-            <a:t>，两个线程都不能得到全部的资源</a:t>
-          </a:r>
-          <a:endParaRPr lang="zh-CN" altLang="en-US" sz="1900" kern="1200" dirty="0"/>
-        </a:p>
-      </dsp:txBody>
-      <dsp:txXfrm rot="-5400000">
-        <a:off x="4086930" y="2619817"/>
-        <a:ext cx="7220001" cy="843872"/>
-      </dsp:txXfrm>
-    </dsp:sp>
-    <dsp:sp modelId="{14E6FBA5-8A6F-4D99-B3C5-CF71669A308A}">
-      <dsp:nvSpPr>
-        <dsp:cNvPr id="0" name=""/>
-        <dsp:cNvSpPr/>
-      </dsp:nvSpPr>
-      <dsp:spPr>
-        <a:xfrm>
-          <a:off x="0" y="2457268"/>
-          <a:ext cx="4086930" cy="1168970"/>
-        </a:xfrm>
-        <a:prstGeom prst="roundRect">
-          <a:avLst/>
-        </a:prstGeom>
-        <a:solidFill>
-          <a:schemeClr val="accent1">
-            <a:hueOff val="0"/>
-            <a:satOff val="0"/>
-            <a:lumOff val="0"/>
-            <a:alphaOff val="0"/>
-          </a:schemeClr>
-        </a:solidFill>
-        <a:ln w="25400" cap="flat" cmpd="sng" algn="ctr">
-          <a:solidFill>
-            <a:schemeClr val="lt1">
-              <a:hueOff val="0"/>
-              <a:satOff val="0"/>
-              <a:lumOff val="0"/>
-              <a:alphaOff val="0"/>
-            </a:schemeClr>
-          </a:solidFill>
-          <a:prstDash val="solid"/>
-        </a:ln>
-        <a:effectLst/>
-      </dsp:spPr>
-      <dsp:style>
-        <a:lnRef idx="2">
-          <a:scrgbClr r="0" g="0" b="0"/>
-        </a:lnRef>
-        <a:fillRef idx="1">
-          <a:scrgbClr r="0" g="0" b="0"/>
-        </a:fillRef>
-        <a:effectRef idx="0">
-          <a:scrgbClr r="0" g="0" b="0"/>
-        </a:effectRef>
-        <a:fontRef idx="minor">
-          <a:schemeClr val="lt1"/>
-        </a:fontRef>
-      </dsp:style>
-      <dsp:txBody>
-        <a:bodyPr spcFirstLastPara="0" vert="horz" wrap="square" lIns="167640" tIns="83820" rIns="167640" bIns="83820" numCol="1" spcCol="1270" anchor="ctr" anchorCtr="0">
-          <a:noAutofit/>
-        </a:bodyPr>
-        <a:lstStyle/>
-        <a:p>
-          <a:pPr lvl="0" algn="ctr" defTabSz="1955800">
-            <a:lnSpc>
-              <a:spcPct val="90000"/>
-            </a:lnSpc>
-            <a:spcBef>
-              <a:spcPct val="0"/>
-            </a:spcBef>
-            <a:spcAft>
-              <a:spcPct val="35000"/>
-            </a:spcAft>
-          </a:pPr>
-          <a:r>
-            <a:rPr lang="zh-CN" altLang="en-US" sz="4400" kern="1200" dirty="0" smtClean="0"/>
-            <a:t>部分分配</a:t>
-          </a:r>
-          <a:endParaRPr lang="zh-CN" altLang="en-US" sz="4400" kern="1200" dirty="0"/>
-        </a:p>
-      </dsp:txBody>
-      <dsp:txXfrm>
-        <a:off x="57064" y="2514332"/>
-        <a:ext cx="3972802" cy="1054842"/>
-      </dsp:txXfrm>
-    </dsp:sp>
-    <dsp:sp modelId="{E90601C1-6767-4F27-A719-C6B1B44906B4}">
-      <dsp:nvSpPr>
-        <dsp:cNvPr id="0" name=""/>
-        <dsp:cNvSpPr/>
-      </dsp:nvSpPr>
-      <dsp:spPr>
-        <a:xfrm rot="5400000">
-          <a:off x="7252168" y="636345"/>
-          <a:ext cx="935176" cy="7265653"/>
-        </a:xfrm>
-        <a:prstGeom prst="round2SameRect">
-          <a:avLst/>
-        </a:prstGeom>
-        <a:solidFill>
-          <a:schemeClr val="accent1">
-            <a:alpha val="90000"/>
-            <a:tint val="40000"/>
-            <a:hueOff val="0"/>
-            <a:satOff val="0"/>
-            <a:lumOff val="0"/>
-            <a:alphaOff val="0"/>
-          </a:schemeClr>
-        </a:solidFill>
-        <a:ln w="25400" cap="flat" cmpd="sng" algn="ctr">
-          <a:solidFill>
-            <a:schemeClr val="accent1">
-              <a:alpha val="90000"/>
-              <a:tint val="40000"/>
-              <a:hueOff val="0"/>
-              <a:satOff val="0"/>
-              <a:lumOff val="0"/>
-              <a:alphaOff val="0"/>
-            </a:schemeClr>
-          </a:solidFill>
-          <a:prstDash val="solid"/>
-        </a:ln>
-        <a:effectLst/>
-      </dsp:spPr>
-      <dsp:style>
-        <a:lnRef idx="2">
-          <a:scrgbClr r="0" g="0" b="0"/>
-        </a:lnRef>
-        <a:fillRef idx="1">
-          <a:scrgbClr r="0" g="0" b="0"/>
-        </a:fillRef>
-        <a:effectRef idx="0">
-          <a:scrgbClr r="0" g="0" b="0"/>
-        </a:effectRef>
-        <a:fontRef idx="minor"/>
-      </dsp:style>
-      <dsp:txBody>
-        <a:bodyPr spcFirstLastPara="0" vert="horz" wrap="square" lIns="72390" tIns="36195" rIns="72390" bIns="36195" numCol="1" spcCol="1270" anchor="ctr" anchorCtr="0">
-          <a:noAutofit/>
-        </a:bodyPr>
-        <a:lstStyle/>
-        <a:p>
-          <a:pPr marL="171450" lvl="1" indent="-171450" algn="l" defTabSz="844550">
-            <a:lnSpc>
-              <a:spcPct val="90000"/>
-            </a:lnSpc>
-            <a:spcBef>
-              <a:spcPct val="0"/>
-            </a:spcBef>
-            <a:spcAft>
-              <a:spcPct val="15000"/>
-            </a:spcAft>
-            <a:buChar char="••"/>
-          </a:pPr>
-          <a:r>
-            <a:rPr lang="zh-CN" altLang="en-US" sz="1900" kern="1200" dirty="0" smtClean="0"/>
-            <a:t>一个线程访问了某资源，但一直不释放该资源，即使该线程处于阻塞状态</a:t>
-          </a:r>
-          <a:endParaRPr lang="zh-CN" altLang="en-US" sz="1900" kern="1200" dirty="0"/>
-        </a:p>
-      </dsp:txBody>
-      <dsp:txXfrm rot="-5400000">
-        <a:off x="4086930" y="3847235"/>
-        <a:ext cx="7220001" cy="843872"/>
-      </dsp:txXfrm>
-    </dsp:sp>
-    <dsp:sp modelId="{9AB3D811-15BB-413C-8D36-C19C659A1959}">
-      <dsp:nvSpPr>
-        <dsp:cNvPr id="0" name=""/>
-        <dsp:cNvSpPr/>
-      </dsp:nvSpPr>
-      <dsp:spPr>
-        <a:xfrm>
-          <a:off x="0" y="3684687"/>
-          <a:ext cx="4086930" cy="1168970"/>
-        </a:xfrm>
-        <a:prstGeom prst="roundRect">
-          <a:avLst/>
-        </a:prstGeom>
-        <a:solidFill>
-          <a:schemeClr val="accent1">
-            <a:hueOff val="0"/>
-            <a:satOff val="0"/>
-            <a:lumOff val="0"/>
-            <a:alphaOff val="0"/>
-          </a:schemeClr>
-        </a:solidFill>
-        <a:ln w="25400" cap="flat" cmpd="sng" algn="ctr">
-          <a:solidFill>
-            <a:schemeClr val="lt1">
-              <a:hueOff val="0"/>
-              <a:satOff val="0"/>
-              <a:lumOff val="0"/>
-              <a:alphaOff val="0"/>
-            </a:schemeClr>
-          </a:solidFill>
-          <a:prstDash val="solid"/>
-        </a:ln>
-        <a:effectLst/>
-      </dsp:spPr>
-      <dsp:style>
-        <a:lnRef idx="2">
-          <a:scrgbClr r="0" g="0" b="0"/>
-        </a:lnRef>
-        <a:fillRef idx="1">
-          <a:scrgbClr r="0" g="0" b="0"/>
-        </a:fillRef>
-        <a:effectRef idx="0">
-          <a:scrgbClr r="0" g="0" b="0"/>
-        </a:effectRef>
-        <a:fontRef idx="minor">
-          <a:schemeClr val="lt1"/>
-        </a:fontRef>
-      </dsp:style>
-      <dsp:txBody>
-        <a:bodyPr spcFirstLastPara="0" vert="horz" wrap="square" lIns="167640" tIns="83820" rIns="167640" bIns="83820" numCol="1" spcCol="1270" anchor="ctr" anchorCtr="0">
-          <a:noAutofit/>
-        </a:bodyPr>
-        <a:lstStyle/>
-        <a:p>
-          <a:pPr lvl="0" algn="ctr" defTabSz="1955800">
-            <a:lnSpc>
-              <a:spcPct val="90000"/>
-            </a:lnSpc>
-            <a:spcBef>
-              <a:spcPct val="0"/>
-            </a:spcBef>
-            <a:spcAft>
-              <a:spcPct val="35000"/>
-            </a:spcAft>
-          </a:pPr>
-          <a:r>
-            <a:rPr lang="zh-CN" altLang="en-US" sz="4400" kern="1200" dirty="0" smtClean="0"/>
-            <a:t>缺少优先权</a:t>
-          </a:r>
-          <a:endParaRPr lang="zh-CN" altLang="en-US" sz="4400" kern="1200" dirty="0"/>
-        </a:p>
-      </dsp:txBody>
-      <dsp:txXfrm>
-        <a:off x="57064" y="3741751"/>
-        <a:ext cx="3972802" cy="1054842"/>
-      </dsp:txXfrm>
-    </dsp:sp>
   </dsp:spTree>
 </dsp:drawing>
 </file>
@@ -13830,7 +13126,7 @@
                 <a:ea typeface="+mn-ea"/>
                 <a:cs typeface="+mn-cs"/>
               </a:rPr>
-              <a:t>如果想解决这种问题，就需要使用同步。所谓同步就是在统一时间段中只有有一个线程运行，</a:t>
+              <a:t>如果想解决这种问题，就需要使用同步。所谓同步就是在同一时间段中只有一个线程运行，</a:t>
             </a:r>
           </a:p>
           <a:p>
@@ -18698,11 +17994,7 @@
           <a:p>
             <a:r>
               <a:rPr lang="zh-CN" altLang="en-US" dirty="0" smtClean="0"/>
-              <a:t>第十五章 线程</a:t>
-            </a:r>
-            <a:r>
-              <a:rPr lang="zh-CN" altLang="en-US" dirty="0" smtClean="0"/>
-              <a:t>和多线程</a:t>
+              <a:t>第十五章 线程和多线程</a:t>
             </a:r>
             <a:endParaRPr lang="zh-CN" altLang="en-US" dirty="0"/>
           </a:p>
@@ -18861,15 +18153,7 @@
                   <a:srgbClr val="FF0000"/>
                 </a:solidFill>
               </a:rPr>
-              <a:t>新建、就绪、运行、阻塞和</a:t>
-            </a:r>
-            <a:r>
-              <a:rPr lang="zh-CN" altLang="en-US" dirty="0" smtClean="0">
-                <a:solidFill>
-                  <a:srgbClr val="FF0000"/>
-                </a:solidFill>
-              </a:rPr>
-              <a:t>死亡</a:t>
+              <a:t>新建、就绪、运行、阻塞和死亡</a:t>
             </a:r>
             <a:r>
               <a:rPr lang="zh-CN" altLang="en-US" dirty="0">
@@ -20376,26 +19660,6 @@
             <a:endParaRPr lang="en-US" altLang="zh-CN" dirty="0" smtClean="0"/>
           </a:p>
           <a:p>
-            <a:pPr>
-              <a:lnSpc>
-                <a:spcPct val="150000"/>
-              </a:lnSpc>
-            </a:pPr>
-            <a:r>
-              <a:rPr lang="zh-CN" altLang="en-US" dirty="0"/>
-              <a:t>实现</a:t>
-            </a:r>
-            <a:r>
-              <a:rPr lang="en-US" altLang="zh-CN" dirty="0"/>
-              <a:t>Runnable</a:t>
-            </a:r>
-            <a:r>
-              <a:rPr lang="zh-CN" altLang="en-US" dirty="0"/>
-              <a:t>接口</a:t>
-            </a:r>
-            <a:endParaRPr lang="en-US" altLang="zh-CN" dirty="0"/>
-          </a:p>
-          <a:p>
             <a:pPr lvl="1">
               <a:lnSpc>
                 <a:spcPct val="150000"/>
@@ -20407,61 +19671,81 @@
             </a:r>
             <a:r>
               <a:rPr lang="en-US" altLang="zh-CN" dirty="0"/>
-              <a:t>run() </a:t>
+              <a:t>Runnable</a:t>
             </a:r>
             <a:r>
               <a:rPr lang="zh-CN" altLang="en-US" dirty="0"/>
-              <a:t>方法</a:t>
+              <a:t>接口</a:t>
             </a:r>
             <a:endParaRPr lang="en-US" altLang="zh-CN" dirty="0"/>
           </a:p>
           <a:p>
-            <a:pPr lvl="1">
+            <a:pPr lvl="2">
               <a:lnSpc>
                 <a:spcPct val="150000"/>
               </a:lnSpc>
             </a:pPr>
             <a:r>
               <a:rPr lang="zh-CN" altLang="en-US" dirty="0"/>
-              <a:t>创建一个</a:t>
+              <a:t>实现</a:t>
             </a:r>
             <a:r>
               <a:rPr lang="en-US" altLang="zh-CN" dirty="0"/>
-              <a:t>Runnable</a:t>
+              <a:t>run() </a:t>
             </a:r>
             <a:r>
               <a:rPr lang="zh-CN" altLang="en-US" dirty="0"/>
-              <a:t>类的对象</a:t>
-            </a:r>
-            <a:r>
-              <a:rPr lang="en-US" altLang="zh-CN" dirty="0"/>
-              <a:t>r</a:t>
-            </a:r>
-            <a:r>
-              <a:rPr lang="zh-CN" altLang="en-US" dirty="0"/>
-              <a:t>，</a:t>
-            </a:r>
-            <a:r>
-              <a:rPr lang="en-US" altLang="zh-CN" dirty="0"/>
-              <a:t>new </a:t>
-            </a:r>
-            <a:r>
-              <a:rPr lang="en-US" altLang="zh-CN" dirty="0" err="1"/>
-              <a:t>MyRunnable</a:t>
-            </a:r>
-            <a:r>
-              <a:rPr lang="en-US" altLang="zh-CN" dirty="0"/>
-              <a:t>()</a:t>
-            </a:r>
-          </a:p>
-          <a:p>
-            <a:pPr lvl="1">
+              <a:t>方法</a:t>
+            </a:r>
+            <a:endParaRPr lang="en-US" altLang="zh-CN" dirty="0"/>
+          </a:p>
+          <a:p>
+            <a:pPr lvl="2">
               <a:lnSpc>
                 <a:spcPct val="150000"/>
               </a:lnSpc>
             </a:pPr>
             <a:r>
               <a:rPr lang="zh-CN" altLang="en-US" dirty="0"/>
+              <a:t>创建一个</a:t>
+            </a:r>
+            <a:r>
+              <a:rPr lang="en-US" altLang="zh-CN" dirty="0"/>
+              <a:t>Runnable</a:t>
+            </a:r>
+            <a:r>
+              <a:rPr lang="zh-CN" altLang="en-US" dirty="0"/>
+              <a:t>类的对象</a:t>
+            </a:r>
+            <a:r>
+              <a:rPr lang="en-US" altLang="zh-CN" dirty="0"/>
+              <a:t>r</a:t>
+            </a:r>
+            <a:r>
+              <a:rPr lang="zh-CN" altLang="en-US" dirty="0"/>
+              <a:t>，</a:t>
+            </a:r>
+            <a:r>
+              <a:rPr lang="en-US" altLang="zh-CN" dirty="0"/>
+              <a:t>new </a:t>
+            </a:r>
+            <a:r>
+              <a:rPr lang="en-US" altLang="zh-CN" dirty="0" err="1"/>
+              <a:t>MyRunnable</a:t>
+            </a:r>
+            <a:r>
+              <a:rPr lang="en-US" altLang="zh-CN" dirty="0"/>
+              <a:t>()</a:t>
+            </a:r>
+          </a:p>
+          <a:p>
+            <a:pPr lvl="2">
+              <a:lnSpc>
+                <a:spcPct val="150000"/>
+              </a:lnSpc>
+            </a:pPr>
+            <a:r>
+              <a:rPr lang="zh-CN" altLang="en-US" dirty="0"/>
               <a:t>创建</a:t>
             </a:r>
             <a:r>
@@ -20486,7 +19770,7 @@
             </a:r>
           </a:p>
           <a:p>
-            <a:pPr lvl="1">
+            <a:pPr lvl="2">
               <a:lnSpc>
                 <a:spcPct val="150000"/>
               </a:lnSpc>
@@ -21296,11 +20580,7 @@
             </a:r>
             <a:r>
               <a:rPr lang="zh-CN" altLang="en-US" dirty="0" smtClean="0"/>
-              <a:t>即可获得当前</a:t>
-            </a:r>
-            <a:r>
-              <a:rPr lang="zh-CN" altLang="en-US" dirty="0" smtClean="0"/>
-              <a:t>线程</a:t>
+              <a:t>即可获得当前线程</a:t>
             </a:r>
             <a:r>
               <a:rPr lang="en-US" altLang="zh-CN" dirty="0"/>
@@ -21324,11 +20604,7 @@
             </a:r>
             <a:r>
               <a:rPr lang="zh-CN" altLang="en-US" dirty="0" smtClean="0"/>
-              <a:t>类，不能再继承其他的父</a:t>
-            </a:r>
-            <a:r>
-              <a:rPr lang="zh-CN" altLang="en-US" dirty="0" smtClean="0"/>
-              <a:t>类</a:t>
+              <a:t>类，不能再继承其他的父类</a:t>
             </a:r>
             <a:r>
               <a:rPr lang="en-US" altLang="zh-CN" dirty="0"/>
@@ -21388,11 +20664,7 @@
             </a:r>
             <a:r>
               <a:rPr lang="zh-CN" altLang="en-US" dirty="0" smtClean="0"/>
-              <a:t>对象，非常适合多个相同线程来处理同一份资源的情况，从而可以将代码和数据分开，形成清晰的模型，较好地体现了面向对象的</a:t>
-            </a:r>
-            <a:r>
-              <a:rPr lang="zh-CN" altLang="en-US" dirty="0" smtClean="0"/>
-              <a:t>思想</a:t>
+              <a:t>对象，非常适合多个相同线程来处理同一份资源的情况，从而可以将代码和数据分开，形成清晰的模型，较好地体现了面向对象的思想</a:t>
             </a:r>
             <a:r>
               <a:rPr lang="en-US" altLang="zh-CN" dirty="0"/>
@@ -22364,8 +21636,8 @@
         </p:nvSpPr>
         <p:spPr bwMode="auto">
           <a:xfrm>
-            <a:off x="3935760" y="1160749"/>
-            <a:ext cx="4320480" cy="4965415"/>
+            <a:off x="767408" y="1160749"/>
+            <a:ext cx="7488832" cy="4965415"/>
           </a:xfrm>
           <a:noFill/>
           <a:extLst>
@@ -26655,11 +25927,7 @@
             </a:r>
             <a:r>
               <a:rPr lang="zh-CN" altLang="en-US" dirty="0" smtClean="0"/>
-              <a:t>结</a:t>
-            </a:r>
-            <a:r>
-              <a:rPr lang="zh-CN" altLang="en-US" dirty="0" smtClean="0"/>
-              <a:t>　　　　　　　　　</a:t>
+              <a:t>结　　　　　　　　　</a:t>
             </a:r>
             <a:endParaRPr lang="zh-CN" altLang="en-US" dirty="0" smtClean="0">
               <a:solidFill>
@@ -28011,9 +27279,12 @@
             <a:endParaRPr lang="en-US" altLang="zh-CN" dirty="0" smtClean="0"/>
           </a:p>
           <a:p>
-            <a:endParaRPr lang="en-US" altLang="zh-CN" dirty="0" smtClean="0"/>
-          </a:p>
-          <a:p>
+            <a:pPr marL="0" indent="0">
+              <a:lnSpc>
+                <a:spcPct val="150000"/>
+              </a:lnSpc>
+              <a:buNone/>
+            </a:pPr>
             <a:endParaRPr lang="en-US" altLang="zh-CN" dirty="0" smtClean="0"/>
           </a:p>
           <a:p>
@@ -28022,14 +27293,6 @@
                 <a:spcPct val="150000"/>
               </a:lnSpc>
             </a:pPr>
-            <a:endParaRPr lang="en-US" altLang="zh-CN" dirty="0" smtClean="0"/>
-          </a:p>
-          <a:p>
-            <a:pPr>
-              <a:lnSpc>
-                <a:spcPct val="150000"/>
-              </a:lnSpc>
-            </a:pPr>
             <a:r>
               <a:rPr lang="zh-CN" altLang="en-US" dirty="0" smtClean="0"/>
               <a:t>两个线程</a:t>
@@ -28088,191 +27351,255 @@
             </a:r>
             <a:r>
               <a:rPr lang="zh-CN" altLang="en-US" dirty="0" smtClean="0"/>
-              <a:t>一个</a:t>
-            </a:r>
-            <a:r>
-              <a:rPr lang="zh-CN" altLang="en-US" dirty="0" smtClean="0"/>
-              <a:t>数据</a:t>
-            </a:r>
-            <a:r>
-              <a:rPr lang="zh-CN" altLang="en-US" dirty="0" smtClean="0"/>
-              <a:t>。</a:t>
-            </a:r>
-            <a:endParaRPr lang="zh-CN" altLang="en-US" dirty="0" smtClean="0"/>
+              <a:t>一个数据。</a:t>
+            </a:r>
           </a:p>
           <a:p>
             <a:endParaRPr lang="zh-CN" altLang="en-US" dirty="0" smtClean="0"/>
           </a:p>
         </p:txBody>
       </p:sp>
-      <p:sp>
-        <p:nvSpPr>
-          <p:cNvPr id="4" name="TextBox 3"/>
-          <p:cNvSpPr txBox="1"/>
+      <p:grpSp>
+        <p:nvGrpSpPr>
+          <p:cNvPr id="2" name="组合 1"/>
+          <p:cNvGrpSpPr/>
           <p:nvPr/>
-        </p:nvSpPr>
-        <p:spPr>
+        </p:nvGrpSpPr>
+        <p:grpSpPr>
           <a:xfrm>
-            <a:off x="2207568" y="1198488"/>
-            <a:ext cx="4960540" cy="4030712"/>
+            <a:off x="1703512" y="1198488"/>
+            <a:ext cx="7992888" cy="2950592"/>
+            <a:chOff x="1703512" y="1198488"/>
+            <a:chExt cx="9878888" cy="2950592"/>
           </a:xfrm>
-          <a:prstGeom prst="rect">
-            <a:avLst/>
-          </a:prstGeom>
-          <a:solidFill>
-            <a:srgbClr val="FFCC99"/>
-          </a:solidFill>
-          <a:ln>
+        </p:grpSpPr>
+        <p:sp>
+          <p:nvSpPr>
+            <p:cNvPr id="4" name="TextBox 3"/>
+            <p:cNvSpPr txBox="1"/>
+            <p:nvPr/>
+          </p:nvSpPr>
+          <p:spPr>
+            <a:xfrm>
+              <a:off x="1703512" y="1198488"/>
+              <a:ext cx="9878888" cy="2950592"/>
+            </a:xfrm>
+            <a:prstGeom prst="rect">
+              <a:avLst/>
+            </a:prstGeom>
             <a:solidFill>
-              <a:schemeClr val="bg1"/>
+              <a:srgbClr val="FFCC99"/>
             </a:solidFill>
-            <a:miter lim="800000"/>
-            <a:headEnd/>
-            <a:tailEnd/>
-          </a:ln>
-        </p:spPr>
-        <p:txBody>
-          <a:bodyPr wrap="none"/>
-          <a:lstStyle>
-            <a:defPPr>
-              <a:defRPr lang="en-US"/>
-            </a:defPPr>
-            <a:lvl1pPr eaLnBrk="0" hangingPunct="0">
-              <a:spcBef>
-                <a:spcPct val="20000"/>
-              </a:spcBef>
-              <a:defRPr kern="0">
-                <a:solidFill>
-                  <a:schemeClr val="tx1"/>
-                </a:solidFill>
-                <a:latin typeface="微软雅黑" pitchFamily="34" charset="-122"/>
-                <a:ea typeface="宋体" pitchFamily="2" charset="-122"/>
-              </a:defRPr>
-            </a:lvl1pPr>
-          </a:lstStyle>
-          <a:p>
-            <a:r>
-              <a:rPr lang="en-US" altLang="zh-CN" sz="1800" dirty="0"/>
-              <a:t>class Stack{</a:t>
-            </a:r>
-          </a:p>
-          <a:p>
-            <a:r>
-              <a:rPr lang="en-US" altLang="zh-CN" sz="1800" dirty="0"/>
-              <a:t>         </a:t>
-            </a:r>
-            <a:r>
-              <a:rPr lang="en-US" altLang="zh-CN" sz="1800" dirty="0" err="1"/>
-              <a:t>int</a:t>
-            </a:r>
-            <a:r>
-              <a:rPr lang="en-US" altLang="zh-CN" sz="1800" dirty="0"/>
-              <a:t> </a:t>
-            </a:r>
-            <a:r>
-              <a:rPr lang="en-US" altLang="zh-CN" sz="1800" dirty="0" err="1"/>
-              <a:t>idx</a:t>
-            </a:r>
-            <a:r>
-              <a:rPr lang="en-US" altLang="zh-CN" sz="1800" dirty="0"/>
-              <a:t>=0;</a:t>
-            </a:r>
-          </a:p>
-          <a:p>
-            <a:r>
-              <a:rPr lang="en-US" altLang="zh-CN" sz="1800" dirty="0"/>
-              <a:t>         char[ ] data = new char[6];</a:t>
-            </a:r>
-          </a:p>
-          <a:p>
-            <a:r>
-              <a:rPr lang="en-US" altLang="zh-CN" sz="1800" dirty="0"/>
-              <a:t>         public void push(char c){</a:t>
-            </a:r>
-          </a:p>
-          <a:p>
-            <a:r>
-              <a:rPr lang="en-US" altLang="zh-CN" sz="1800" dirty="0"/>
-              <a:t>               data[</a:t>
-            </a:r>
-            <a:r>
-              <a:rPr lang="en-US" altLang="zh-CN" sz="1800" dirty="0" err="1"/>
-              <a:t>idx</a:t>
-            </a:r>
-            <a:r>
-              <a:rPr lang="en-US" altLang="zh-CN" sz="1800" dirty="0"/>
-              <a:t>] = c;</a:t>
-            </a:r>
-          </a:p>
-          <a:p>
-            <a:r>
-              <a:rPr lang="en-US" altLang="zh-CN" sz="1800" dirty="0"/>
-              <a:t>                </a:t>
-            </a:r>
-            <a:r>
-              <a:rPr lang="en-US" altLang="zh-CN" sz="1800" dirty="0" err="1"/>
-              <a:t>idx</a:t>
-            </a:r>
-            <a:r>
-              <a:rPr lang="en-US" altLang="zh-CN" sz="1800" dirty="0"/>
-              <a:t>++;</a:t>
-            </a:r>
-          </a:p>
-          <a:p>
-            <a:r>
-              <a:rPr lang="en-US" altLang="zh-CN" sz="1800" dirty="0"/>
-              <a:t>         }</a:t>
-            </a:r>
-          </a:p>
-          <a:p>
-            <a:r>
-              <a:rPr lang="en-US" altLang="zh-CN" sz="1800" dirty="0"/>
-              <a:t>         public char pop(){</a:t>
-            </a:r>
-          </a:p>
-          <a:p>
-            <a:r>
-              <a:rPr lang="en-US" altLang="zh-CN" sz="1800" dirty="0"/>
-              <a:t>          	   </a:t>
-            </a:r>
-            <a:r>
-              <a:rPr lang="en-US" altLang="zh-CN" sz="1800" dirty="0" err="1"/>
-              <a:t>idx</a:t>
-            </a:r>
-            <a:r>
-              <a:rPr lang="en-US" altLang="zh-CN" sz="1800" dirty="0"/>
-              <a:t>--;</a:t>
-            </a:r>
-          </a:p>
-          <a:p>
-            <a:r>
-              <a:rPr lang="en-US" altLang="zh-CN" sz="1800" dirty="0"/>
-              <a:t>         	   return data[</a:t>
-            </a:r>
-            <a:r>
-              <a:rPr lang="en-US" altLang="zh-CN" sz="1800" dirty="0" err="1"/>
-              <a:t>idx</a:t>
-            </a:r>
-            <a:r>
-              <a:rPr lang="en-US" altLang="zh-CN" sz="1800" dirty="0"/>
-              <a:t>];</a:t>
-            </a:r>
-          </a:p>
-          <a:p>
-            <a:r>
-              <a:rPr lang="en-US" altLang="zh-CN" sz="1800" dirty="0"/>
-              <a:t>         }</a:t>
-            </a:r>
-          </a:p>
-          <a:p>
-            <a:r>
-              <a:rPr lang="en-US" altLang="zh-CN" sz="1800" dirty="0"/>
-              <a:t>  }</a:t>
-            </a:r>
-            <a:endParaRPr lang="zh-CN" altLang="en-US" sz="1800" dirty="0"/>
-          </a:p>
-        </p:txBody>
-      </p:sp>
+            <a:ln>
+              <a:solidFill>
+                <a:schemeClr val="bg1"/>
+              </a:solidFill>
+              <a:miter lim="800000"/>
+              <a:headEnd/>
+              <a:tailEnd/>
+            </a:ln>
+          </p:spPr>
+          <p:txBody>
+            <a:bodyPr wrap="none"/>
+            <a:lstStyle>
+              <a:defPPr>
+                <a:defRPr lang="en-US"/>
+              </a:defPPr>
+              <a:lvl1pPr eaLnBrk="0" hangingPunct="0">
+                <a:spcBef>
+                  <a:spcPct val="20000"/>
+                </a:spcBef>
+                <a:defRPr kern="0">
+                  <a:solidFill>
+                    <a:schemeClr val="tx1"/>
+                  </a:solidFill>
+                  <a:latin typeface="微软雅黑" pitchFamily="34" charset="-122"/>
+                  <a:ea typeface="宋体" pitchFamily="2" charset="-122"/>
+                </a:defRPr>
+              </a:lvl1pPr>
+            </a:lstStyle>
+            <a:p>
+              <a:r>
+                <a:rPr lang="en-US" altLang="zh-CN" sz="1800" dirty="0"/>
+                <a:t>class Stack{</a:t>
+              </a:r>
+            </a:p>
+            <a:p>
+              <a:r>
+                <a:rPr lang="en-US" altLang="zh-CN" sz="1800" dirty="0"/>
+                <a:t>         </a:t>
+              </a:r>
+              <a:r>
+                <a:rPr lang="en-US" altLang="zh-CN" sz="1800" dirty="0" err="1"/>
+                <a:t>int</a:t>
+              </a:r>
+              <a:r>
+                <a:rPr lang="en-US" altLang="zh-CN" sz="1800" dirty="0"/>
+                <a:t> </a:t>
+              </a:r>
+              <a:r>
+                <a:rPr lang="en-US" altLang="zh-CN" sz="1800" dirty="0" err="1"/>
+                <a:t>idx</a:t>
+              </a:r>
+              <a:r>
+                <a:rPr lang="en-US" altLang="zh-CN" sz="1800" dirty="0"/>
+                <a:t>=0;</a:t>
+              </a:r>
+            </a:p>
+            <a:p>
+              <a:r>
+                <a:rPr lang="en-US" altLang="zh-CN" sz="1800" dirty="0"/>
+                <a:t>         char[ ] data = new char[6];</a:t>
+              </a:r>
+            </a:p>
+            <a:p>
+              <a:r>
+                <a:rPr lang="en-US" altLang="zh-CN" sz="1800" dirty="0"/>
+                <a:t>         public void push(char c){</a:t>
+              </a:r>
+            </a:p>
+            <a:p>
+              <a:r>
+                <a:rPr lang="en-US" altLang="zh-CN" sz="1800" dirty="0"/>
+                <a:t>               data[</a:t>
+              </a:r>
+              <a:r>
+                <a:rPr lang="en-US" altLang="zh-CN" sz="1800" dirty="0" err="1"/>
+                <a:t>idx</a:t>
+              </a:r>
+              <a:r>
+                <a:rPr lang="en-US" altLang="zh-CN" sz="1800" dirty="0"/>
+                <a:t>] = c;</a:t>
+              </a:r>
+            </a:p>
+            <a:p>
+              <a:r>
+                <a:rPr lang="en-US" altLang="zh-CN" sz="1800" dirty="0"/>
+                <a:t>                </a:t>
+              </a:r>
+              <a:r>
+                <a:rPr lang="en-US" altLang="zh-CN" sz="1800" dirty="0" err="1"/>
+                <a:t>idx</a:t>
+              </a:r>
+              <a:r>
+                <a:rPr lang="en-US" altLang="zh-CN" sz="1800" dirty="0"/>
+                <a:t>++;</a:t>
+              </a:r>
+            </a:p>
+            <a:p>
+              <a:r>
+                <a:rPr lang="en-US" altLang="zh-CN" sz="1800" dirty="0"/>
+                <a:t>         </a:t>
+              </a:r>
+              <a:r>
+                <a:rPr lang="en-US" altLang="zh-CN" sz="1800" dirty="0" smtClean="0"/>
+                <a:t>}</a:t>
+              </a:r>
+            </a:p>
+            <a:p>
+              <a:r>
+                <a:rPr lang="en-US" altLang="zh-CN" sz="1800" dirty="0" smtClean="0"/>
+                <a:t> </a:t>
+              </a:r>
+              <a:r>
+                <a:rPr lang="en-US" altLang="zh-CN" sz="1800" dirty="0"/>
+                <a:t>}</a:t>
+              </a:r>
+              <a:endParaRPr lang="zh-CN" altLang="en-US" sz="1800" dirty="0"/>
+            </a:p>
+          </p:txBody>
+        </p:sp>
+        <p:sp>
+          <p:nvSpPr>
+            <p:cNvPr id="5" name="TextBox 3"/>
+            <p:cNvSpPr txBox="1"/>
+            <p:nvPr/>
+          </p:nvSpPr>
+          <p:spPr>
+            <a:xfrm>
+              <a:off x="7221449" y="1556792"/>
+              <a:ext cx="3737958" cy="2016224"/>
+            </a:xfrm>
+            <a:prstGeom prst="rect">
+              <a:avLst/>
+            </a:prstGeom>
+            <a:solidFill>
+              <a:srgbClr val="FFCC99"/>
+            </a:solidFill>
+            <a:ln>
+              <a:noFill/>
+              <a:miter lim="800000"/>
+              <a:headEnd/>
+              <a:tailEnd/>
+            </a:ln>
+          </p:spPr>
+          <p:txBody>
+            <a:bodyPr wrap="none"/>
+            <a:lstStyle>
+              <a:defPPr>
+                <a:defRPr lang="en-US"/>
+              </a:defPPr>
+              <a:lvl1pPr eaLnBrk="0" hangingPunct="0">
+                <a:spcBef>
+                  <a:spcPct val="20000"/>
+                </a:spcBef>
+                <a:defRPr kern="0">
+                  <a:solidFill>
+                    <a:schemeClr val="tx1"/>
+                  </a:solidFill>
+                  <a:latin typeface="微软雅黑" pitchFamily="34" charset="-122"/>
+                  <a:ea typeface="宋体" pitchFamily="2" charset="-122"/>
+                </a:defRPr>
+              </a:lvl1pPr>
+            </a:lstStyle>
+            <a:p>
+              <a:r>
+                <a:rPr lang="en-US" altLang="zh-CN" sz="1800" dirty="0" smtClean="0"/>
+                <a:t>public </a:t>
+              </a:r>
+              <a:r>
+                <a:rPr lang="en-US" altLang="zh-CN" sz="1800" dirty="0"/>
+                <a:t>char pop</a:t>
+              </a:r>
+              <a:r>
+                <a:rPr lang="en-US" altLang="zh-CN" sz="1800" dirty="0" smtClean="0"/>
+                <a:t>(){</a:t>
+              </a:r>
+            </a:p>
+            <a:p>
+              <a:r>
+                <a:rPr lang="en-US" altLang="zh-CN" sz="1800" dirty="0" smtClean="0"/>
+                <a:t>    idx--;</a:t>
+              </a:r>
+            </a:p>
+            <a:p>
+              <a:r>
+                <a:rPr lang="en-US" altLang="zh-CN" sz="1800" dirty="0" smtClean="0"/>
+                <a:t>    char c = data[idx];</a:t>
+              </a:r>
+            </a:p>
+            <a:p>
+              <a:r>
+                <a:rPr lang="en-US" altLang="zh-CN" sz="1800" dirty="0" smtClean="0"/>
+                <a:t>    data[idx] = ' ';</a:t>
+              </a:r>
+            </a:p>
+            <a:p>
+              <a:r>
+                <a:rPr lang="en-US" altLang="zh-CN" sz="1800" dirty="0" smtClean="0"/>
+                <a:t>    return c;        </a:t>
+              </a:r>
+            </a:p>
+            <a:p>
+              <a:r>
+                <a:rPr lang="en-US" altLang="zh-CN" sz="1800" dirty="0" smtClean="0"/>
+                <a:t>}</a:t>
+              </a:r>
+              <a:endParaRPr lang="zh-CN" altLang="en-US" sz="1800" dirty="0"/>
+            </a:p>
+          </p:txBody>
+        </p:sp>
+      </p:grpSp>
     </p:spTree>
     <p:extLst>
       <p:ext uri="{BB962C8B-B14F-4D97-AF65-F5344CB8AC3E}">
@@ -28416,11 +27743,7 @@
             </a:pPr>
             <a:r>
               <a:rPr lang="en-US" altLang="zh-CN" dirty="0" smtClean="0"/>
-              <a:t> </a:t>
-            </a:r>
-            <a:r>
-              <a:rPr lang="en-US" altLang="zh-CN" dirty="0" smtClean="0"/>
-              <a:t>A</a:t>
+              <a:t> A</a:t>
             </a:r>
             <a:r>
               <a:rPr lang="zh-CN" altLang="en-US" dirty="0"/>
@@ -28669,17 +27992,12 @@
             </a:r>
             <a:r>
               <a:rPr lang="zh-CN" altLang="en-US" dirty="0" smtClean="0"/>
-              <a:t>完整性，从而避免上述</a:t>
-            </a:r>
-            <a:r>
-              <a:rPr lang="zh-CN" altLang="en-US" dirty="0" smtClean="0"/>
-              <a:t>问题</a:t>
+              <a:t>完整性，从而避免上述问题</a:t>
             </a:r>
             <a:r>
               <a:rPr lang="zh-CN" altLang="en-US" dirty="0"/>
               <a:t>。</a:t>
             </a:r>
-            <a:endParaRPr lang="zh-CN" altLang="en-US" dirty="0"/>
           </a:p>
           <a:p>
             <a:pPr>
@@ -28895,196 +28213,289 @@
           </a:p>
         </p:txBody>
       </p:sp>
-      <p:sp>
-        <p:nvSpPr>
-          <p:cNvPr id="4" name="TextBox 3"/>
-          <p:cNvSpPr txBox="1"/>
+      <p:grpSp>
+        <p:nvGrpSpPr>
+          <p:cNvPr id="5" name="组合 4"/>
+          <p:cNvGrpSpPr/>
           <p:nvPr/>
-        </p:nvSpPr>
-        <p:spPr>
+        </p:nvGrpSpPr>
+        <p:grpSpPr>
           <a:xfrm>
-            <a:off x="2279576" y="2316114"/>
-            <a:ext cx="4895402" cy="4497262"/>
+            <a:off x="2099556" y="2669781"/>
+            <a:ext cx="7992888" cy="3600400"/>
+            <a:chOff x="1703512" y="1198488"/>
+            <a:chExt cx="9878888" cy="2950592"/>
           </a:xfrm>
-          <a:prstGeom prst="rect">
-            <a:avLst/>
-          </a:prstGeom>
-          <a:solidFill>
-            <a:srgbClr val="FFCC99"/>
-          </a:solidFill>
-          <a:ln>
+        </p:grpSpPr>
+        <p:sp>
+          <p:nvSpPr>
+            <p:cNvPr id="6" name="TextBox 3"/>
+            <p:cNvSpPr txBox="1"/>
+            <p:nvPr/>
+          </p:nvSpPr>
+          <p:spPr>
+            <a:xfrm>
+              <a:off x="1703512" y="1198488"/>
+              <a:ext cx="9878888" cy="2950592"/>
+            </a:xfrm>
+            <a:prstGeom prst="rect">
+              <a:avLst/>
+            </a:prstGeom>
             <a:solidFill>
-              <a:schemeClr val="bg1"/>
+              <a:srgbClr val="FFCC99"/>
             </a:solidFill>
-            <a:miter lim="800000"/>
-            <a:headEnd/>
-            <a:tailEnd/>
-          </a:ln>
-        </p:spPr>
-        <p:txBody>
-          <a:bodyPr wrap="none"/>
-          <a:lstStyle>
-            <a:defPPr>
-              <a:defRPr lang="en-US"/>
-            </a:defPPr>
-            <a:lvl1pPr eaLnBrk="0" hangingPunct="0">
-              <a:spcBef>
-                <a:spcPct val="20000"/>
-              </a:spcBef>
-              <a:defRPr kern="0">
-                <a:solidFill>
-                  <a:schemeClr val="tx1"/>
-                </a:solidFill>
-                <a:latin typeface="微软雅黑" pitchFamily="34" charset="-122"/>
-                <a:ea typeface="宋体" pitchFamily="2" charset="-122"/>
-              </a:defRPr>
-            </a:lvl1pPr>
-          </a:lstStyle>
-          <a:p>
-            <a:r>
-              <a:rPr lang="zh-CN" altLang="en-US" sz="1600" dirty="0"/>
-              <a:t> </a:t>
-            </a:r>
-            <a:r>
-              <a:rPr lang="en-US" altLang="zh-CN" sz="1600" dirty="0"/>
-              <a:t>class Stack{</a:t>
-            </a:r>
-          </a:p>
-          <a:p>
-            <a:r>
-              <a:rPr lang="en-US" altLang="zh-CN" sz="1600" dirty="0"/>
-              <a:t>     </a:t>
-            </a:r>
-            <a:r>
-              <a:rPr lang="en-US" altLang="zh-CN" sz="1600" dirty="0" err="1"/>
-              <a:t>int</a:t>
-            </a:r>
-            <a:r>
-              <a:rPr lang="en-US" altLang="zh-CN" sz="1600" dirty="0"/>
-              <a:t> </a:t>
-            </a:r>
-            <a:r>
-              <a:rPr lang="en-US" altLang="zh-CN" sz="1600" dirty="0" err="1"/>
-              <a:t>idx</a:t>
-            </a:r>
-            <a:r>
-              <a:rPr lang="en-US" altLang="zh-CN" sz="1600" dirty="0"/>
-              <a:t>=0;</a:t>
-            </a:r>
-          </a:p>
-          <a:p>
-            <a:r>
-              <a:rPr lang="en-US" altLang="zh-CN" sz="1600" dirty="0"/>
-              <a:t>     public void push(char c){</a:t>
-            </a:r>
-          </a:p>
-          <a:p>
-            <a:r>
-              <a:rPr lang="en-US" altLang="zh-CN" sz="1600" dirty="0"/>
-              <a:t>           synchronized(this){</a:t>
-            </a:r>
-          </a:p>
-          <a:p>
-            <a:r>
-              <a:rPr lang="en-US" altLang="zh-CN" sz="1600" dirty="0"/>
-              <a:t>                data[</a:t>
-            </a:r>
-            <a:r>
-              <a:rPr lang="en-US" altLang="zh-CN" sz="1600" dirty="0" err="1"/>
-              <a:t>idx</a:t>
-            </a:r>
-            <a:r>
-              <a:rPr lang="en-US" altLang="zh-CN" sz="1600" dirty="0"/>
-              <a:t>]=c;</a:t>
-            </a:r>
-          </a:p>
-          <a:p>
-            <a:r>
-              <a:rPr lang="en-US" altLang="zh-CN" sz="1600" dirty="0"/>
-              <a:t>                </a:t>
-            </a:r>
-            <a:r>
-              <a:rPr lang="en-US" altLang="zh-CN" sz="1600" dirty="0" err="1"/>
-              <a:t>idx</a:t>
-            </a:r>
-            <a:r>
-              <a:rPr lang="en-US" altLang="zh-CN" sz="1600" dirty="0"/>
-              <a:t>++;</a:t>
-            </a:r>
-          </a:p>
-          <a:p>
-            <a:r>
-              <a:rPr lang="en-US" altLang="zh-CN" sz="1600" dirty="0"/>
-              <a:t>            	}</a:t>
-            </a:r>
-          </a:p>
-          <a:p>
-            <a:r>
-              <a:rPr lang="en-US" altLang="zh-CN" sz="1600" dirty="0"/>
-              <a:t>      }</a:t>
-            </a:r>
-          </a:p>
-          <a:p>
-            <a:r>
-              <a:rPr lang="en-US" altLang="zh-CN" sz="1600" dirty="0"/>
-              <a:t>     public char pop(){</a:t>
-            </a:r>
-          </a:p>
-          <a:p>
-            <a:r>
-              <a:rPr lang="en-US" altLang="zh-CN" sz="1600" dirty="0"/>
-              <a:t>          	synchronized(this){</a:t>
-            </a:r>
-          </a:p>
-          <a:p>
-            <a:r>
-              <a:rPr lang="en-US" altLang="zh-CN" sz="1600" dirty="0"/>
-              <a:t>                   </a:t>
-            </a:r>
-            <a:r>
-              <a:rPr lang="en-US" altLang="zh-CN" sz="1600" dirty="0" err="1"/>
-              <a:t>idx</a:t>
-            </a:r>
-            <a:r>
-              <a:rPr lang="en-US" altLang="zh-CN" sz="1600" dirty="0"/>
-              <a:t>--;</a:t>
-            </a:r>
-          </a:p>
-          <a:p>
-            <a:r>
-              <a:rPr lang="en-US" altLang="zh-CN" sz="1600" dirty="0"/>
-              <a:t>                   return data[</a:t>
-            </a:r>
-            <a:r>
-              <a:rPr lang="en-US" altLang="zh-CN" sz="1600" dirty="0" err="1"/>
-              <a:t>idx</a:t>
-            </a:r>
-            <a:r>
-              <a:rPr lang="en-US" altLang="zh-CN" sz="1600" dirty="0"/>
-              <a:t>];</a:t>
-            </a:r>
-          </a:p>
-          <a:p>
-            <a:r>
-              <a:rPr lang="en-US" altLang="zh-CN" sz="1600" dirty="0"/>
-              <a:t>       	  } </a:t>
-            </a:r>
-          </a:p>
-          <a:p>
-            <a:r>
-              <a:rPr lang="en-US" altLang="zh-CN" sz="1600" dirty="0"/>
-              <a:t>       }</a:t>
-            </a:r>
-          </a:p>
-          <a:p>
-            <a:r>
-              <a:rPr lang="en-US" altLang="zh-CN" sz="1600" dirty="0"/>
-              <a:t>}</a:t>
-            </a:r>
-            <a:endParaRPr lang="zh-CN" altLang="en-US" sz="1600" dirty="0"/>
-          </a:p>
-        </p:txBody>
-      </p:sp>
+            <a:ln>
+              <a:solidFill>
+                <a:schemeClr val="bg1"/>
+              </a:solidFill>
+              <a:miter lim="800000"/>
+              <a:headEnd/>
+              <a:tailEnd/>
+            </a:ln>
+          </p:spPr>
+          <p:txBody>
+            <a:bodyPr wrap="none"/>
+            <a:lstStyle>
+              <a:defPPr>
+                <a:defRPr lang="en-US"/>
+              </a:defPPr>
+              <a:lvl1pPr eaLnBrk="0" hangingPunct="0">
+                <a:spcBef>
+                  <a:spcPct val="20000"/>
+                </a:spcBef>
+                <a:defRPr kern="0">
+                  <a:solidFill>
+                    <a:schemeClr val="tx1"/>
+                  </a:solidFill>
+                  <a:latin typeface="微软雅黑" pitchFamily="34" charset="-122"/>
+                  <a:ea typeface="宋体" pitchFamily="2" charset="-122"/>
+                </a:defRPr>
+              </a:lvl1pPr>
+            </a:lstStyle>
+            <a:p>
+              <a:r>
+                <a:rPr lang="en-US" altLang="zh-CN" sz="1800" dirty="0"/>
+                <a:t>class Stack{</a:t>
+              </a:r>
+            </a:p>
+            <a:p>
+              <a:r>
+                <a:rPr lang="en-US" altLang="zh-CN" sz="1800" dirty="0"/>
+                <a:t>         </a:t>
+              </a:r>
+              <a:r>
+                <a:rPr lang="en-US" altLang="zh-CN" sz="1800" dirty="0" err="1"/>
+                <a:t>int</a:t>
+              </a:r>
+              <a:r>
+                <a:rPr lang="en-US" altLang="zh-CN" sz="1800" dirty="0"/>
+                <a:t> </a:t>
+              </a:r>
+              <a:r>
+                <a:rPr lang="en-US" altLang="zh-CN" sz="1800" dirty="0" err="1"/>
+                <a:t>idx</a:t>
+              </a:r>
+              <a:r>
+                <a:rPr lang="en-US" altLang="zh-CN" sz="1800" dirty="0"/>
+                <a:t>=0;</a:t>
+              </a:r>
+            </a:p>
+            <a:p>
+              <a:r>
+                <a:rPr lang="en-US" altLang="zh-CN" sz="1800" dirty="0"/>
+                <a:t>         char[ ] data = new char[6];</a:t>
+              </a:r>
+            </a:p>
+            <a:p>
+              <a:r>
+                <a:rPr lang="en-US" altLang="zh-CN" sz="1800" dirty="0"/>
+                <a:t>         public void push(char c){</a:t>
+              </a:r>
+            </a:p>
+            <a:p>
+              <a:r>
+                <a:rPr lang="en-US" altLang="zh-CN" sz="1800" dirty="0"/>
+                <a:t>           </a:t>
+              </a:r>
+              <a:r>
+                <a:rPr lang="en-US" altLang="zh-CN" sz="1800" dirty="0" smtClean="0"/>
+                <a:t>    synchronized(this){</a:t>
+              </a:r>
+              <a:endParaRPr lang="en-US" altLang="zh-CN" sz="1800" dirty="0"/>
+            </a:p>
+            <a:p>
+              <a:r>
+                <a:rPr lang="en-US" altLang="zh-CN" sz="1800" dirty="0"/>
+                <a:t>               </a:t>
+              </a:r>
+              <a:r>
+                <a:rPr lang="en-US" altLang="zh-CN" sz="1800" dirty="0" smtClean="0"/>
+                <a:t>    data[idx</a:t>
+              </a:r>
+              <a:r>
+                <a:rPr lang="en-US" altLang="zh-CN" sz="1800" dirty="0"/>
+                <a:t>] = c;</a:t>
+              </a:r>
+            </a:p>
+            <a:p>
+              <a:r>
+                <a:rPr lang="en-US" altLang="zh-CN" sz="1800" dirty="0"/>
+                <a:t>               </a:t>
+              </a:r>
+              <a:r>
+                <a:rPr lang="en-US" altLang="zh-CN" sz="1800" dirty="0" smtClean="0"/>
+                <a:t>     </a:t>
+              </a:r>
+              <a:r>
+                <a:rPr lang="en-US" altLang="zh-CN" sz="1800" dirty="0"/>
+                <a:t>idx</a:t>
+              </a:r>
+              <a:r>
+                <a:rPr lang="en-US" altLang="zh-CN" sz="1800" dirty="0" smtClean="0"/>
+                <a:t>++;</a:t>
+              </a:r>
+            </a:p>
+            <a:p>
+              <a:r>
+                <a:rPr lang="en-US" altLang="zh-CN" sz="1800" dirty="0"/>
+                <a:t> </a:t>
+              </a:r>
+              <a:r>
+                <a:rPr lang="en-US" altLang="zh-CN" sz="1800" dirty="0" smtClean="0"/>
+                <a:t>              }</a:t>
+              </a:r>
+              <a:endParaRPr lang="en-US" altLang="zh-CN" sz="1800" dirty="0"/>
+            </a:p>
+            <a:p>
+              <a:r>
+                <a:rPr lang="en-US" altLang="zh-CN" sz="1800" dirty="0"/>
+                <a:t>         </a:t>
+              </a:r>
+              <a:r>
+                <a:rPr lang="en-US" altLang="zh-CN" sz="1800" dirty="0" smtClean="0"/>
+                <a:t>}</a:t>
+              </a:r>
+            </a:p>
+            <a:p>
+              <a:r>
+                <a:rPr lang="en-US" altLang="zh-CN" sz="1800" dirty="0" smtClean="0"/>
+                <a:t> </a:t>
+              </a:r>
+              <a:r>
+                <a:rPr lang="en-US" altLang="zh-CN" sz="1800" dirty="0"/>
+                <a:t>}</a:t>
+              </a:r>
+              <a:endParaRPr lang="zh-CN" altLang="en-US" sz="1800" dirty="0"/>
+            </a:p>
+          </p:txBody>
+        </p:sp>
+        <p:sp>
+          <p:nvSpPr>
+            <p:cNvPr id="7" name="TextBox 3"/>
+            <p:cNvSpPr txBox="1"/>
+            <p:nvPr/>
+          </p:nvSpPr>
+          <p:spPr>
+            <a:xfrm>
+              <a:off x="7221449" y="1556791"/>
+              <a:ext cx="3737958" cy="2265153"/>
+            </a:xfrm>
+            <a:prstGeom prst="rect">
+              <a:avLst/>
+            </a:prstGeom>
+            <a:solidFill>
+              <a:srgbClr val="FFCC99"/>
+            </a:solidFill>
+            <a:ln>
+              <a:noFill/>
+              <a:miter lim="800000"/>
+              <a:headEnd/>
+              <a:tailEnd/>
+            </a:ln>
+          </p:spPr>
+          <p:txBody>
+            <a:bodyPr wrap="none"/>
+            <a:lstStyle>
+              <a:defPPr>
+                <a:defRPr lang="en-US"/>
+              </a:defPPr>
+              <a:lvl1pPr eaLnBrk="0" hangingPunct="0">
+                <a:spcBef>
+                  <a:spcPct val="20000"/>
+                </a:spcBef>
+                <a:defRPr kern="0">
+                  <a:solidFill>
+                    <a:schemeClr val="tx1"/>
+                  </a:solidFill>
+                  <a:latin typeface="微软雅黑" pitchFamily="34" charset="-122"/>
+                  <a:ea typeface="宋体" pitchFamily="2" charset="-122"/>
+                </a:defRPr>
+              </a:lvl1pPr>
+            </a:lstStyle>
+            <a:p>
+              <a:r>
+                <a:rPr lang="en-US" altLang="zh-CN" sz="1800" dirty="0" smtClean="0"/>
+                <a:t>public </a:t>
+              </a:r>
+              <a:r>
+                <a:rPr lang="en-US" altLang="zh-CN" sz="1800" dirty="0"/>
+                <a:t>char pop(){</a:t>
+              </a:r>
+            </a:p>
+            <a:p>
+              <a:r>
+                <a:rPr lang="en-US" altLang="zh-CN" sz="1800" dirty="0"/>
+                <a:t>   </a:t>
+              </a:r>
+              <a:r>
+                <a:rPr lang="en-US" altLang="zh-CN" sz="1800" dirty="0" smtClean="0"/>
+                <a:t> </a:t>
+              </a:r>
+              <a:r>
+                <a:rPr lang="en-US" altLang="zh-CN" sz="1800" dirty="0"/>
+                <a:t>synchronized(this){</a:t>
+              </a:r>
+            </a:p>
+            <a:p>
+              <a:r>
+                <a:rPr lang="en-US" altLang="zh-CN" sz="1800" dirty="0" smtClean="0"/>
+                <a:t>         idx--;</a:t>
+              </a:r>
+            </a:p>
+            <a:p>
+              <a:r>
+                <a:rPr lang="en-US" altLang="zh-CN" sz="1800" dirty="0" smtClean="0"/>
+                <a:t>         char c = data[idx];</a:t>
+              </a:r>
+            </a:p>
+            <a:p>
+              <a:r>
+                <a:rPr lang="en-US" altLang="zh-CN" sz="1800" dirty="0" smtClean="0"/>
+                <a:t>         data[idx] = ' ';</a:t>
+              </a:r>
+            </a:p>
+            <a:p>
+              <a:r>
+                <a:rPr lang="en-US" altLang="zh-CN" sz="1800" dirty="0" smtClean="0"/>
+                <a:t>         return c;    </a:t>
+              </a:r>
+            </a:p>
+            <a:p>
+              <a:r>
+                <a:rPr lang="en-US" altLang="zh-CN" sz="1800" dirty="0" smtClean="0"/>
+                <a:t>    }    </a:t>
+              </a:r>
+            </a:p>
+            <a:p>
+              <a:r>
+                <a:rPr lang="en-US" altLang="zh-CN" sz="1800" dirty="0" smtClean="0"/>
+                <a:t>}</a:t>
+              </a:r>
+              <a:endParaRPr lang="zh-CN" altLang="en-US" sz="1800" dirty="0"/>
+            </a:p>
+          </p:txBody>
+        </p:sp>
+      </p:grpSp>
     </p:spTree>
     <p:extLst>
       <p:ext uri="{BB962C8B-B14F-4D97-AF65-F5344CB8AC3E}">
@@ -29247,20 +28658,16 @@
               </a:lnSpc>
             </a:pPr>
             <a:r>
-              <a:rPr lang="en-US" altLang="zh-CN" dirty="0" smtClean="0">
+              <a:rPr lang="en-US" altLang="zh-CN" smtClean="0">
                 <a:solidFill>
                   <a:srgbClr val="FF0000"/>
                 </a:solidFill>
               </a:rPr>
-              <a:t>Synchronized</a:t>
+              <a:t>synchronized</a:t>
             </a:r>
             <a:r>
               <a:rPr lang="zh-CN" altLang="en-US" dirty="0" smtClean="0"/>
-              <a:t>可以修饰类，则表明该类的所有对象共用一把</a:t>
-            </a:r>
-            <a:r>
-              <a:rPr lang="zh-CN" altLang="en-US" dirty="0" smtClean="0"/>
-              <a:t>锁</a:t>
+              <a:t>可以修饰类，则表明该类的所有对象共用一把锁</a:t>
             </a:r>
             <a:r>
               <a:rPr lang="zh-CN" altLang="en-US" dirty="0"/>
@@ -29296,14 +28703,78 @@
       </p:sp>
       <p:sp>
         <p:nvSpPr>
-          <p:cNvPr id="5" name="TextBox 4"/>
+          <p:cNvPr id="2" name="TextBox 1"/>
           <p:cNvSpPr txBox="1"/>
           <p:nvPr/>
         </p:nvSpPr>
         <p:spPr>
           <a:xfrm>
-            <a:off x="1199457" y="2348880"/>
-            <a:ext cx="5218038" cy="3600400"/>
+            <a:off x="335360" y="6165304"/>
+            <a:ext cx="5904656" cy="707886"/>
+          </a:xfrm>
+          <a:prstGeom prst="rect">
+            <a:avLst/>
+          </a:prstGeom>
+          <a:noFill/>
+        </p:spPr>
+        <p:txBody>
+          <a:bodyPr wrap="square" rtlCol="0">
+            <a:spAutoFit/>
+          </a:bodyPr>
+          <a:lstStyle/>
+          <a:p>
+            <a:r>
+              <a:rPr lang="zh-CN" altLang="en-US" b="1" dirty="0">
+                <a:solidFill>
+                  <a:srgbClr val="FF0000"/>
+                </a:solidFill>
+              </a:rPr>
+              <a:t>当多个线程共享一个资源的时候需要进行同步</a:t>
+            </a:r>
+            <a:r>
+              <a:rPr lang="zh-CN" altLang="en-US" b="1" dirty="0" smtClean="0">
+                <a:solidFill>
+                  <a:srgbClr val="FF0000"/>
+                </a:solidFill>
+              </a:rPr>
+              <a:t>，</a:t>
+            </a:r>
+            <a:endParaRPr lang="en-US" altLang="zh-CN" b="1" dirty="0" smtClean="0">
+              <a:solidFill>
+                <a:srgbClr val="FF0000"/>
+              </a:solidFill>
+            </a:endParaRPr>
+          </a:p>
+          <a:p>
+            <a:r>
+              <a:rPr lang="zh-CN" altLang="en-US" b="1" dirty="0" smtClean="0">
+                <a:solidFill>
+                  <a:srgbClr val="FF0000"/>
+                </a:solidFill>
+              </a:rPr>
+              <a:t>但是</a:t>
+            </a:r>
+            <a:r>
+              <a:rPr lang="zh-CN" altLang="en-US" b="1" dirty="0">
+                <a:solidFill>
+                  <a:srgbClr val="FF0000"/>
+                </a:solidFill>
+              </a:rPr>
+              <a:t>过多的同步可能导致死锁</a:t>
+            </a:r>
+          </a:p>
+        </p:txBody>
+      </p:sp>
+      <p:sp>
+        <p:nvSpPr>
+          <p:cNvPr id="8" name="TextBox 3"/>
+          <p:cNvSpPr txBox="1"/>
+          <p:nvPr/>
+        </p:nvSpPr>
+        <p:spPr>
+          <a:xfrm>
+            <a:off x="983432" y="2321608"/>
+            <a:ext cx="5414392" cy="3804556"/>
           </a:xfrm>
           <a:prstGeom prst="rect">
             <a:avLst/>
@@ -29330,7 +28801,7 @@
               <a:spcBef>
                 <a:spcPct val="20000"/>
               </a:spcBef>
-              <a:defRPr sz="1600" kern="0">
+              <a:defRPr kern="0">
                 <a:solidFill>
                   <a:schemeClr val="tx1"/>
                 </a:solidFill>
@@ -29341,135 +28812,141 @@
           </a:lstStyle>
           <a:p>
             <a:r>
-              <a:rPr lang="zh-CN" altLang="en-US" dirty="0"/>
+              <a:rPr lang="en-US" altLang="zh-CN" sz="1800" dirty="0"/>
+              <a:t>class Stack{</a:t>
+            </a:r>
+          </a:p>
+          <a:p>
+            <a:r>
+              <a:rPr lang="en-US" altLang="zh-CN" sz="1800" dirty="0"/>
+              <a:t>         </a:t>
+            </a:r>
+            <a:r>
+              <a:rPr lang="en-US" altLang="zh-CN" sz="1800" dirty="0" err="1"/>
+              <a:t>int</a:t>
+            </a:r>
+            <a:r>
+              <a:rPr lang="en-US" altLang="zh-CN" sz="1800" dirty="0"/>
               <a:t> </a:t>
             </a:r>
             <a:r>
-              <a:rPr lang="en-US" altLang="zh-CN" dirty="0"/>
-              <a:t>class Stack{</a:t>
-            </a:r>
-          </a:p>
-          <a:p>
-            <a:r>
-              <a:rPr lang="en-US" altLang="zh-CN" dirty="0"/>
-              <a:t>     </a:t>
-            </a:r>
-            <a:r>
-              <a:rPr lang="en-US" altLang="zh-CN" dirty="0" err="1"/>
-              <a:t>int</a:t>
-            </a:r>
-            <a:r>
-              <a:rPr lang="en-US" altLang="zh-CN" dirty="0"/>
+              <a:rPr lang="en-US" altLang="zh-CN" sz="1800" dirty="0" err="1"/>
+              <a:t>idx</a:t>
+            </a:r>
+            <a:r>
+              <a:rPr lang="en-US" altLang="zh-CN" sz="1800" dirty="0"/>
+              <a:t>=0;</a:t>
+            </a:r>
+          </a:p>
+          <a:p>
+            <a:r>
+              <a:rPr lang="en-US" altLang="zh-CN" sz="1800" dirty="0"/>
+              <a:t>         char[ ] data = new char[6];</a:t>
+            </a:r>
+          </a:p>
+          <a:p>
+            <a:r>
+              <a:rPr lang="en-US" altLang="zh-CN" sz="1800" dirty="0"/>
+              <a:t>         </a:t>
+            </a:r>
+            <a:r>
+              <a:rPr lang="en-US" altLang="zh-CN" sz="1800" dirty="0" smtClean="0"/>
+              <a:t>public synchronized void </a:t>
+            </a:r>
+            <a:r>
+              <a:rPr lang="en-US" altLang="zh-CN" sz="1800" dirty="0"/>
+              <a:t>push(char c){</a:t>
+            </a:r>
+          </a:p>
+          <a:p>
+            <a:r>
+              <a:rPr lang="en-US" altLang="zh-CN" sz="1800" dirty="0" smtClean="0"/>
+              <a:t>               data[idx</a:t>
+            </a:r>
+            <a:r>
+              <a:rPr lang="en-US" altLang="zh-CN" sz="1800" dirty="0"/>
+              <a:t>] = c;</a:t>
+            </a:r>
+          </a:p>
+          <a:p>
+            <a:r>
+              <a:rPr lang="en-US" altLang="zh-CN" sz="1800" dirty="0"/>
+              <a:t>               </a:t>
+            </a:r>
+            <a:r>
+              <a:rPr lang="en-US" altLang="zh-CN" sz="1800" dirty="0" smtClean="0"/>
+              <a:t>idx++;</a:t>
+            </a:r>
+            <a:endParaRPr lang="en-US" altLang="zh-CN" sz="1800" dirty="0"/>
+          </a:p>
+          <a:p>
+            <a:r>
+              <a:rPr lang="en-US" altLang="zh-CN" sz="1800" dirty="0"/>
+              <a:t>         </a:t>
+            </a:r>
+            <a:r>
+              <a:rPr lang="en-US" altLang="zh-CN" sz="1800" dirty="0" smtClean="0"/>
+              <a:t>}</a:t>
+            </a:r>
+          </a:p>
+          <a:p>
+            <a:r>
+              <a:rPr lang="en-US" altLang="zh-CN" sz="1800" dirty="0"/>
               <a:t> </a:t>
             </a:r>
             <a:r>
-              <a:rPr lang="en-US" altLang="zh-CN" dirty="0" err="1"/>
-              <a:t>idx</a:t>
-            </a:r>
-            <a:r>
-              <a:rPr lang="en-US" altLang="zh-CN" dirty="0"/>
-              <a:t>=0;</a:t>
-            </a:r>
-          </a:p>
-          <a:p>
-            <a:r>
-              <a:rPr lang="en-US" altLang="zh-CN" dirty="0"/>
-              <a:t>     public synchronized void push(char c){</a:t>
-            </a:r>
-          </a:p>
-          <a:p>
-            <a:r>
-              <a:rPr lang="en-US" altLang="zh-CN" dirty="0"/>
-              <a:t>                data[</a:t>
-            </a:r>
-            <a:r>
-              <a:rPr lang="en-US" altLang="zh-CN" dirty="0" err="1"/>
-              <a:t>idx</a:t>
-            </a:r>
-            <a:r>
-              <a:rPr lang="en-US" altLang="zh-CN" dirty="0"/>
-              <a:t>]=c;</a:t>
-            </a:r>
-          </a:p>
-          <a:p>
-            <a:r>
-              <a:rPr lang="en-US" altLang="zh-CN" dirty="0"/>
-              <a:t>                </a:t>
-            </a:r>
-            <a:r>
-              <a:rPr lang="en-US" altLang="zh-CN" dirty="0" err="1"/>
-              <a:t>idx</a:t>
-            </a:r>
-            <a:r>
-              <a:rPr lang="en-US" altLang="zh-CN" dirty="0"/>
-              <a:t>++;</a:t>
-            </a:r>
-          </a:p>
-          <a:p>
-            <a:r>
-              <a:rPr lang="en-US" altLang="zh-CN" dirty="0"/>
-              <a:t>     }</a:t>
-            </a:r>
-          </a:p>
-          <a:p>
-            <a:r>
-              <a:rPr lang="en-US" altLang="zh-CN" dirty="0"/>
-              <a:t>     public synchronized char pop(){</a:t>
-            </a:r>
-          </a:p>
-          <a:p>
-            <a:r>
-              <a:rPr lang="en-US" altLang="zh-CN" dirty="0"/>
-              <a:t>          	      </a:t>
-            </a:r>
-            <a:r>
-              <a:rPr lang="en-US" altLang="zh-CN" dirty="0" err="1"/>
-              <a:t>idx</a:t>
-            </a:r>
-            <a:r>
-              <a:rPr lang="en-US" altLang="zh-CN" dirty="0"/>
-              <a:t>--;</a:t>
-            </a:r>
-          </a:p>
-          <a:p>
-            <a:r>
-              <a:rPr lang="en-US" altLang="zh-CN" dirty="0"/>
-              <a:t>                   return data[</a:t>
-            </a:r>
-            <a:r>
-              <a:rPr lang="en-US" altLang="zh-CN" dirty="0" err="1"/>
-              <a:t>idx</a:t>
-            </a:r>
-            <a:r>
-              <a:rPr lang="en-US" altLang="zh-CN" dirty="0"/>
-              <a:t>];</a:t>
-            </a:r>
-          </a:p>
-          <a:p>
-            <a:r>
-              <a:rPr lang="en-US" altLang="zh-CN" dirty="0"/>
-              <a:t>       }</a:t>
-            </a:r>
-          </a:p>
-          <a:p>
-            <a:r>
-              <a:rPr lang="en-US" altLang="zh-CN" dirty="0"/>
+              <a:rPr lang="en-US" altLang="zh-CN" sz="1800" dirty="0" smtClean="0"/>
+              <a:t>        public</a:t>
+            </a:r>
+            <a:r>
+              <a:rPr lang="en-US" altLang="zh-CN" sz="1800" dirty="0"/>
+              <a:t> synchronized </a:t>
+            </a:r>
+            <a:r>
+              <a:rPr lang="en-US" altLang="zh-CN" sz="1800" dirty="0" smtClean="0"/>
+              <a:t>char </a:t>
+            </a:r>
+            <a:r>
+              <a:rPr lang="en-US" altLang="zh-CN" sz="1800" dirty="0"/>
+              <a:t>pop(){</a:t>
+            </a:r>
+            <a:endParaRPr lang="en-US" altLang="zh-CN" sz="1800" dirty="0" smtClean="0"/>
+          </a:p>
+          <a:p>
+            <a:r>
+              <a:rPr lang="en-US" altLang="zh-CN" sz="1800" dirty="0" smtClean="0"/>
+              <a:t>                ……</a:t>
+            </a:r>
+          </a:p>
+          <a:p>
+            <a:r>
+              <a:rPr lang="en-US" altLang="zh-CN" sz="1800" dirty="0" smtClean="0"/>
+              <a:t>         }</a:t>
+            </a:r>
+          </a:p>
+          <a:p>
+            <a:r>
+              <a:rPr lang="en-US" altLang="zh-CN" sz="1800" dirty="0" smtClean="0"/>
+              <a:t> </a:t>
+            </a:r>
+            <a:r>
+              <a:rPr lang="en-US" altLang="zh-CN" sz="1800" dirty="0"/>
               <a:t>}</a:t>
             </a:r>
-            <a:endParaRPr lang="zh-CN" altLang="en-US" dirty="0"/>
+            <a:endParaRPr lang="zh-CN" altLang="en-US" sz="1800" dirty="0"/>
           </a:p>
         </p:txBody>
       </p:sp>
       <p:sp>
         <p:nvSpPr>
-          <p:cNvPr id="6" name="TextBox 5"/>
+          <p:cNvPr id="10" name="TextBox 3"/>
           <p:cNvSpPr txBox="1"/>
           <p:nvPr/>
         </p:nvSpPr>
         <p:spPr>
           <a:xfrm>
-            <a:off x="6528048" y="2316942"/>
-            <a:ext cx="4139952" cy="3952308"/>
+            <a:off x="6541840" y="2326798"/>
+            <a:ext cx="5414392" cy="4365104"/>
           </a:xfrm>
           <a:prstGeom prst="rect">
             <a:avLst/>
@@ -29496,7 +28973,7 @@
               <a:spcBef>
                 <a:spcPct val="20000"/>
               </a:spcBef>
-              <a:defRPr sz="1600" kern="0">
+              <a:defRPr kern="0">
                 <a:solidFill>
                   <a:schemeClr val="tx1"/>
                 </a:solidFill>
@@ -29507,202 +28984,149 @@
           </a:lstStyle>
           <a:p>
             <a:r>
-              <a:rPr lang="en-US" altLang="zh-CN" dirty="0"/>
+              <a:rPr lang="en-US" altLang="zh-CN" sz="1800" dirty="0"/>
               <a:t>class Stack{</a:t>
             </a:r>
           </a:p>
           <a:p>
             <a:r>
-              <a:rPr lang="en-US" altLang="zh-CN" dirty="0"/>
-              <a:t>     </a:t>
-            </a:r>
-            <a:r>
-              <a:rPr lang="en-US" altLang="zh-CN" dirty="0" err="1"/>
+              <a:rPr lang="en-US" altLang="zh-CN" sz="1800" dirty="0"/>
+              <a:t>         </a:t>
+            </a:r>
+            <a:r>
+              <a:rPr lang="en-US" altLang="zh-CN" sz="1800" dirty="0" err="1"/>
               <a:t>int</a:t>
             </a:r>
             <a:r>
-              <a:rPr lang="en-US" altLang="zh-CN" dirty="0"/>
+              <a:rPr lang="en-US" altLang="zh-CN" sz="1800" dirty="0"/>
               <a:t> </a:t>
             </a:r>
             <a:r>
-              <a:rPr lang="en-US" altLang="zh-CN" dirty="0" err="1"/>
+              <a:rPr lang="en-US" altLang="zh-CN" sz="1800" dirty="0" err="1"/>
               <a:t>idx</a:t>
             </a:r>
             <a:r>
-              <a:rPr lang="en-US" altLang="zh-CN" dirty="0"/>
+              <a:rPr lang="en-US" altLang="zh-CN" sz="1800" dirty="0"/>
               <a:t>=0;</a:t>
             </a:r>
           </a:p>
           <a:p>
             <a:r>
-              <a:rPr lang="en-US" altLang="zh-CN" dirty="0"/>
-              <a:t>     public void push(char c){</a:t>
-            </a:r>
-          </a:p>
-          <a:p>
-            <a:r>
-              <a:rPr lang="en-US" altLang="zh-CN" dirty="0"/>
-              <a:t>           synchronized(</a:t>
-            </a:r>
-            <a:r>
-              <a:rPr lang="en-US" altLang="zh-CN" dirty="0" err="1"/>
-              <a:t>Stack.class</a:t>
-            </a:r>
-            <a:r>
-              <a:rPr lang="en-US" altLang="zh-CN" dirty="0"/>
+              <a:rPr lang="en-US" altLang="zh-CN" sz="1800" dirty="0"/>
+              <a:t>         char[ ] data = new char[6];</a:t>
+            </a:r>
+          </a:p>
+          <a:p>
+            <a:r>
+              <a:rPr lang="en-US" altLang="zh-CN" sz="1800" dirty="0"/>
+              <a:t>         </a:t>
+            </a:r>
+            <a:r>
+              <a:rPr lang="en-US" altLang="zh-CN" sz="1800" dirty="0" smtClean="0"/>
+              <a:t>public void </a:t>
+            </a:r>
+            <a:r>
+              <a:rPr lang="en-US" altLang="zh-CN" sz="1800" dirty="0"/>
+              <a:t>push(char c</a:t>
+            </a:r>
+            <a:r>
+              <a:rPr lang="en-US" altLang="zh-CN" sz="1800" dirty="0" smtClean="0"/>
               <a:t>){</a:t>
             </a:r>
           </a:p>
           <a:p>
             <a:r>
-              <a:rPr lang="en-US" altLang="zh-CN" dirty="0"/>
-              <a:t>                 data[</a:t>
-            </a:r>
-            <a:r>
-              <a:rPr lang="en-US" altLang="zh-CN" dirty="0" err="1"/>
-              <a:t>idx</a:t>
-            </a:r>
-            <a:r>
-              <a:rPr lang="en-US" altLang="zh-CN" dirty="0"/>
-              <a:t>]=c;</a:t>
-            </a:r>
-          </a:p>
-          <a:p>
-            <a:r>
-              <a:rPr lang="en-US" altLang="zh-CN" dirty="0"/>
-              <a:t>                 </a:t>
-            </a:r>
-            <a:r>
-              <a:rPr lang="en-US" altLang="zh-CN" dirty="0" err="1"/>
-              <a:t>idx</a:t>
-            </a:r>
-            <a:r>
-              <a:rPr lang="en-US" altLang="zh-CN" dirty="0"/>
-              <a:t>++;</a:t>
-            </a:r>
-          </a:p>
-          <a:p>
-            <a:r>
-              <a:rPr lang="en-US" altLang="zh-CN" dirty="0"/>
-              <a:t>           }</a:t>
-            </a:r>
-          </a:p>
-          <a:p>
-            <a:r>
-              <a:rPr lang="en-US" altLang="zh-CN" dirty="0"/>
-              <a:t>     }</a:t>
-            </a:r>
-          </a:p>
-          <a:p>
-            <a:r>
-              <a:rPr lang="en-US" altLang="zh-CN" dirty="0"/>
-              <a:t>     public char pop(){</a:t>
-            </a:r>
-          </a:p>
-          <a:p>
-            <a:r>
-              <a:rPr lang="en-US" altLang="zh-CN" dirty="0"/>
-              <a:t>           </a:t>
-            </a:r>
-            <a:r>
-              <a:rPr lang="en-US" altLang="zh-CN" dirty="0" err="1"/>
-              <a:t>idx</a:t>
-            </a:r>
-            <a:r>
-              <a:rPr lang="en-US" altLang="zh-CN" dirty="0"/>
-              <a:t>--;</a:t>
-            </a:r>
-          </a:p>
-          <a:p>
-            <a:r>
-              <a:rPr lang="en-US" altLang="zh-CN" dirty="0"/>
-              <a:t>           return data[</a:t>
-            </a:r>
-            <a:r>
-              <a:rPr lang="en-US" altLang="zh-CN" dirty="0" err="1"/>
-              <a:t>idx</a:t>
-            </a:r>
-            <a:r>
-              <a:rPr lang="en-US" altLang="zh-CN" dirty="0"/>
-              <a:t>];</a:t>
-            </a:r>
-          </a:p>
-          <a:p>
-            <a:r>
-              <a:rPr lang="en-US" altLang="zh-CN" dirty="0"/>
-              <a:t>       }</a:t>
-            </a:r>
-          </a:p>
-          <a:p>
-            <a:r>
-              <a:rPr lang="en-US" altLang="zh-CN" dirty="0"/>
+              <a:rPr lang="en-US" altLang="zh-CN" sz="1800" dirty="0"/>
+              <a:t> </a:t>
+            </a:r>
+            <a:r>
+              <a:rPr lang="en-US" altLang="zh-CN" sz="1800" dirty="0" smtClean="0"/>
+              <a:t>              synchronized(Stack.class){</a:t>
+            </a:r>
+            <a:endParaRPr lang="en-US" altLang="zh-CN" sz="1800" dirty="0"/>
+          </a:p>
+          <a:p>
+            <a:r>
+              <a:rPr lang="en-US" altLang="zh-CN" sz="1800" dirty="0" smtClean="0"/>
+              <a:t>                      data[idx</a:t>
+            </a:r>
+            <a:r>
+              <a:rPr lang="en-US" altLang="zh-CN" sz="1800" dirty="0"/>
+              <a:t>] = c;</a:t>
+            </a:r>
+          </a:p>
+          <a:p>
+            <a:r>
+              <a:rPr lang="en-US" altLang="zh-CN" sz="1800" dirty="0"/>
+              <a:t>               </a:t>
+            </a:r>
+            <a:r>
+              <a:rPr lang="en-US" altLang="zh-CN" sz="1800" dirty="0" smtClean="0"/>
+              <a:t>        idx++;</a:t>
+            </a:r>
+          </a:p>
+          <a:p>
+            <a:r>
+              <a:rPr lang="en-US" altLang="zh-CN" sz="1800" dirty="0" smtClean="0"/>
+              <a:t>                }</a:t>
+            </a:r>
+            <a:endParaRPr lang="en-US" altLang="zh-CN" sz="1800" dirty="0"/>
+          </a:p>
+          <a:p>
+            <a:r>
+              <a:rPr lang="en-US" altLang="zh-CN" sz="1800" dirty="0"/>
+              <a:t>         </a:t>
+            </a:r>
+            <a:r>
+              <a:rPr lang="en-US" altLang="zh-CN" sz="1800" dirty="0" smtClean="0"/>
               <a:t>}</a:t>
             </a:r>
-            <a:endParaRPr lang="zh-CN" altLang="en-US" dirty="0"/>
-          </a:p>
-        </p:txBody>
-      </p:sp>
-      <p:sp>
-        <p:nvSpPr>
-          <p:cNvPr id="2" name="TextBox 1"/>
-          <p:cNvSpPr txBox="1"/>
-          <p:nvPr/>
-        </p:nvSpPr>
-        <p:spPr>
-          <a:xfrm>
-            <a:off x="335360" y="6269250"/>
-            <a:ext cx="9217024" cy="707886"/>
-          </a:xfrm>
-          <a:prstGeom prst="rect">
-            <a:avLst/>
-          </a:prstGeom>
-          <a:noFill/>
-        </p:spPr>
-        <p:txBody>
-          <a:bodyPr wrap="square" rtlCol="0">
-            <a:spAutoFit/>
-          </a:bodyPr>
-          <a:lstStyle/>
-          <a:p>
-            <a:r>
-              <a:rPr lang="zh-CN" altLang="en-US" b="1" dirty="0">
-                <a:solidFill>
-                  <a:srgbClr val="FF0000"/>
-                </a:solidFill>
-              </a:rPr>
-              <a:t>当多个线程共享一个资源的时候需要进行同步</a:t>
-            </a:r>
-            <a:r>
-              <a:rPr lang="zh-CN" altLang="en-US" b="1" dirty="0" smtClean="0">
-                <a:solidFill>
-                  <a:srgbClr val="FF0000"/>
-                </a:solidFill>
-              </a:rPr>
-              <a:t>，</a:t>
-            </a:r>
-            <a:endParaRPr lang="en-US" altLang="zh-CN" b="1" dirty="0" smtClean="0">
-              <a:solidFill>
-                <a:srgbClr val="FF0000"/>
-              </a:solidFill>
-            </a:endParaRPr>
-          </a:p>
-          <a:p>
-            <a:r>
-              <a:rPr lang="zh-CN" altLang="en-US" b="1" dirty="0" smtClean="0">
-                <a:solidFill>
-                  <a:srgbClr val="FF0000"/>
-                </a:solidFill>
-              </a:rPr>
-              <a:t>但是</a:t>
-            </a:r>
-            <a:r>
-              <a:rPr lang="zh-CN" altLang="en-US" b="1" dirty="0">
-                <a:solidFill>
-                  <a:srgbClr val="FF0000"/>
-                </a:solidFill>
-              </a:rPr>
-              <a:t>过多的同步可能导致死锁</a:t>
-            </a:r>
+          </a:p>
+          <a:p>
+            <a:r>
+              <a:rPr lang="en-US" altLang="zh-CN" sz="1800" dirty="0"/>
+              <a:t> </a:t>
+            </a:r>
+            <a:r>
+              <a:rPr lang="en-US" altLang="zh-CN" sz="1800" dirty="0" smtClean="0"/>
+              <a:t>        public</a:t>
+            </a:r>
+            <a:r>
+              <a:rPr lang="en-US" altLang="zh-CN" sz="1800" dirty="0"/>
+              <a:t> </a:t>
+            </a:r>
+            <a:r>
+              <a:rPr lang="en-US" altLang="zh-CN" sz="1800" dirty="0" smtClean="0"/>
+              <a:t>char </a:t>
+            </a:r>
+            <a:r>
+              <a:rPr lang="en-US" altLang="zh-CN" sz="1800" dirty="0"/>
+              <a:t>pop(){</a:t>
+            </a:r>
+            <a:endParaRPr lang="en-US" altLang="zh-CN" sz="1800" dirty="0" smtClean="0"/>
+          </a:p>
+          <a:p>
+            <a:r>
+              <a:rPr lang="en-US" altLang="zh-CN" sz="1800" dirty="0" smtClean="0"/>
+              <a:t>                ……</a:t>
+            </a:r>
+          </a:p>
+          <a:p>
+            <a:r>
+              <a:rPr lang="en-US" altLang="zh-CN" sz="1800" dirty="0" smtClean="0"/>
+              <a:t>         }</a:t>
+            </a:r>
+          </a:p>
+          <a:p>
+            <a:r>
+              <a:rPr lang="en-US" altLang="zh-CN" sz="1800" dirty="0" smtClean="0"/>
+              <a:t> </a:t>
+            </a:r>
+            <a:r>
+              <a:rPr lang="en-US" altLang="zh-CN" sz="1800" dirty="0"/>
+              <a:t>}</a:t>
+            </a:r>
+            <a:endParaRPr lang="zh-CN" altLang="en-US" sz="1800" dirty="0"/>
           </a:p>
         </p:txBody>
       </p:sp>
@@ -29725,19 +29149,19 @@
               <p:cTn id="2" dur="indefinite" nodeType="mainSeq">
                 <p:childTnLst>
                   <p:par>
-                    <p:cTn id="3" fill="hold" nodeType="clickPar">
+                    <p:cTn id="3" fill="hold">
                       <p:stCondLst>
                         <p:cond delay="indefinite"/>
                       </p:stCondLst>
                       <p:childTnLst>
                         <p:par>
-                          <p:cTn id="4" fill="hold" nodeType="withGroup">
+                          <p:cTn id="4" fill="hold">
                             <p:stCondLst>
                               <p:cond delay="0"/>
                             </p:stCondLst>
                             <p:childTnLst>
                               <p:par>
-                                <p:cTn id="5" presetID="42" presetClass="entr" presetSubtype="0" fill="hold" grpId="0" nodeType="clickEffect">
+                                <p:cTn id="5" presetID="16" presetClass="entr" presetSubtype="21" fill="hold" grpId="0" nodeType="clickEffect">
                                   <p:stCondLst>
                                     <p:cond delay="0"/>
                                   </p:stCondLst>
@@ -29745,204 +29169,6 @@
                                     <p:set>
                                       <p:cBhvr>
                                         <p:cTn id="6" dur="1" fill="hold">
-                                          <p:stCondLst>
-                                            <p:cond delay="0"/>
-                                          </p:stCondLst>
-                                        </p:cTn>
-                                        <p:tgtEl>
-                                          <p:spTgt spid="5"/>
-                                        </p:tgtEl>
-                                        <p:attrNameLst>
-                                          <p:attrName>style.visibility</p:attrName>
-                                        </p:attrNameLst>
-                                      </p:cBhvr>
-                                      <p:to>
-                                        <p:strVal val="visible"/>
-                                      </p:to>
-                                    </p:set>
-                                    <p:animEffect transition="in" filter="fade">
-                                      <p:cBhvr>
-                                        <p:cTn id="7" dur="1000"/>
-                                        <p:tgtEl>
-                                          <p:spTgt spid="5"/>
-                                        </p:tgtEl>
-                                      </p:cBhvr>
-                                    </p:animEffect>
-                                    <p:anim calcmode="lin" valueType="num">
-                                      <p:cBhvr>
-                                        <p:cTn id="8" dur="1000" fill="hold"/>
-                                        <p:tgtEl>
-                                          <p:spTgt spid="5"/>
-                                        </p:tgtEl>
-                                        <p:attrNameLst>
-                                          <p:attrName>ppt_x</p:attrName>
-                                        </p:attrNameLst>
-                                      </p:cBhvr>
-                                      <p:tavLst>
-                                        <p:tav tm="0">
-                                          <p:val>
-                                            <p:strVal val="#ppt_x"/>
-                                          </p:val>
-                                        </p:tav>
-                                        <p:tav tm="100000">
-                                          <p:val>
-                                            <p:strVal val="#ppt_x"/>
-                                          </p:val>
-                                        </p:tav>
-                                      </p:tavLst>
-                                    </p:anim>
-                                    <p:anim calcmode="lin" valueType="num">
-                                      <p:cBhvr>
-                                        <p:cTn id="9" dur="1000" fill="hold"/>
-                                        <p:tgtEl>
-                                          <p:spTgt spid="5"/>
-                                        </p:tgtEl>
-                                        <p:attrNameLst>
-                                          <p:attrName>ppt_y</p:attrName>
-                                        </p:attrNameLst>
-                                      </p:cBhvr>
-                                      <p:tavLst>
-                                        <p:tav tm="0">
-                                          <p:val>
-                                            <p:strVal val="#ppt_y+.1"/>
-                                          </p:val>
-                                        </p:tav>
-                                        <p:tav tm="100000">
-                                          <p:val>
-                                            <p:strVal val="#ppt_y"/>
-                                          </p:val>
-                                        </p:tav>
-                                      </p:tavLst>
-                                    </p:anim>
-                                  </p:childTnLst>
-                                </p:cTn>
-                              </p:par>
-                            </p:childTnLst>
-                          </p:cTn>
-                        </p:par>
-                      </p:childTnLst>
-                    </p:cTn>
-                  </p:par>
-                  <p:par>
-                    <p:cTn id="10" fill="hold" nodeType="clickPar">
-                      <p:stCondLst>
-                        <p:cond delay="indefinite"/>
-                      </p:stCondLst>
-                      <p:childTnLst>
-                        <p:par>
-                          <p:cTn id="11" fill="hold" nodeType="withGroup">
-                            <p:stCondLst>
-                              <p:cond delay="0"/>
-                            </p:stCondLst>
-                            <p:childTnLst>
-                              <p:par>
-                                <p:cTn id="12" presetID="42" presetClass="entr" presetSubtype="0" fill="hold" grpId="0" nodeType="clickEffect">
-                                  <p:stCondLst>
-                                    <p:cond delay="0"/>
-                                  </p:stCondLst>
-                                  <p:childTnLst>
-                                    <p:set>
-                                      <p:cBhvr>
-                                        <p:cTn id="13" dur="1" fill="hold">
-                                          <p:stCondLst>
-                                            <p:cond delay="0"/>
-                                          </p:stCondLst>
-                                        </p:cTn>
-                                        <p:tgtEl>
-                                          <p:spTgt spid="6"/>
-                                        </p:tgtEl>
-                                        <p:attrNameLst>
-                                          <p:attrName>style.visibility</p:attrName>
-                                        </p:attrNameLst>
-                                      </p:cBhvr>
-                                      <p:to>
-                                        <p:strVal val="visible"/>
-                                      </p:to>
-                                    </p:set>
-                                    <p:animEffect transition="in" filter="fade">
-                                      <p:cBhvr>
-                                        <p:cTn id="14" dur="1000"/>
-                                        <p:tgtEl>
-                                          <p:spTgt spid="6"/>
-                                        </p:tgtEl>
-                                      </p:cBhvr>
-                                    </p:animEffect>
-                                    <p:anim calcmode="lin" valueType="num">
-                                      <p:cBhvr>
-                                        <p:cTn id="15" dur="1000" fill="hold"/>
-                                        <p:tgtEl>
-                                          <p:spTgt spid="6"/>
-                                        </p:tgtEl>
-                                        <p:attrNameLst>
-                                          <p:attrName>ppt_x</p:attrName>
-                                        </p:attrNameLst>
-                                      </p:cBhvr>
-                                      <p:tavLst>
-                                        <p:tav tm="0">
-                                          <p:val>
-                                            <p:strVal val="#ppt_x"/>
-                                          </p:val>
-                                        </p:tav>
-                                        <p:tav tm="100000">
-                                          <p:val>
-                                            <p:strVal val="#ppt_x"/>
-                                          </p:val>
-                                        </p:tav>
-                                      </p:tavLst>
-                                    </p:anim>
-                                    <p:anim calcmode="lin" valueType="num">
-                                      <p:cBhvr>
-                                        <p:cTn id="16" dur="1000" fill="hold"/>
-                                        <p:tgtEl>
-                                          <p:spTgt spid="6"/>
-                                        </p:tgtEl>
-                                        <p:attrNameLst>
-                                          <p:attrName>ppt_y</p:attrName>
-                                        </p:attrNameLst>
-                                      </p:cBhvr>
-                                      <p:tavLst>
-                                        <p:tav tm="0">
-                                          <p:val>
-                                            <p:strVal val="#ppt_y+.1"/>
-                                          </p:val>
-                                        </p:tav>
-                                        <p:tav tm="100000">
-                                          <p:val>
-                                            <p:strVal val="#ppt_y"/>
-                                          </p:val>
-                                        </p:tav>
-                                      </p:tavLst>
-                                    </p:anim>
-                                  </p:childTnLst>
-                                </p:cTn>
-                              </p:par>
-                            </p:childTnLst>
-                          </p:cTn>
-                        </p:par>
-                      </p:childTnLst>
-                    </p:cTn>
-                  </p:par>
-                  <p:par>
-                    <p:cTn id="17" fill="hold">
-                      <p:stCondLst>
-                        <p:cond delay="indefinite"/>
-                      </p:stCondLst>
-                      <p:childTnLst>
-                        <p:par>
-                          <p:cTn id="18" fill="hold">
-                            <p:stCondLst>
-                              <p:cond delay="0"/>
-                            </p:stCondLst>
-                            <p:childTnLst>
-                              <p:par>
-                                <p:cTn id="19" presetID="16" presetClass="entr" presetSubtype="21" fill="hold" grpId="0" nodeType="clickEffect">
-                                  <p:stCondLst>
-                                    <p:cond delay="0"/>
-                                  </p:stCondLst>
-                                  <p:childTnLst>
-                                    <p:set>
-                                      <p:cBhvr>
-                                        <p:cTn id="20" dur="1" fill="hold">
                                           <p:stCondLst>
                                             <p:cond delay="0"/>
                                           </p:stCondLst>
@@ -29960,7 +29186,7 @@
                                     </p:set>
                                     <p:animEffect transition="in" filter="barn(inVertical)">
                                       <p:cBhvr>
-                                        <p:cTn id="21" dur="500"/>
+                                        <p:cTn id="7" dur="500"/>
                                         <p:tgtEl>
                                           <p:spTgt spid="2"/>
                                         </p:tgtEl>
@@ -29997,8 +29223,6 @@
       </p:par>
     </p:tnLst>
     <p:bldLst>
-      <p:bldP spid="5" grpId="0" animBg="1"/>
-      <p:bldP spid="6" grpId="0" animBg="1"/>
       <p:bldP spid="2" grpId="0"/>
     </p:bldLst>
   </p:timing>
@@ -30376,17 +29600,17 @@
                 <a:latin typeface="微软雅黑" pitchFamily="34" charset="-122"/>
                 <a:ea typeface="宋体" pitchFamily="2" charset="-122"/>
               </a:rPr>
-              <a:t>		</a:t>
-            </a:r>
-            <a:r>
-              <a:rPr lang="en-US" altLang="zh-CN" sz="1800" kern="0" dirty="0" err="1">
+              <a:t> </a:t>
+            </a:r>
+            <a:r>
+              <a:rPr lang="en-US" altLang="zh-CN" sz="1800" kern="0" dirty="0" smtClean="0">
                 <a:solidFill>
                   <a:schemeClr val="tx1"/>
                 </a:solidFill>
                 <a:latin typeface="微软雅黑" pitchFamily="34" charset="-122"/>
                 <a:ea typeface="宋体" pitchFamily="2" charset="-122"/>
               </a:rPr>
-              <a:t>this.wait</a:t>
+              <a:t>	       this.wait</a:t>
             </a:r>
             <a:r>
               <a:rPr lang="en-US" altLang="zh-CN" sz="1800" kern="0" dirty="0">
@@ -30433,17 +29657,7 @@
                 <a:latin typeface="微软雅黑" pitchFamily="34" charset="-122"/>
                 <a:ea typeface="宋体" pitchFamily="2" charset="-122"/>
               </a:rPr>
-              <a:t> e</a:t>
-            </a:r>
-            <a:r>
-              <a:rPr lang="en-US" altLang="zh-CN" sz="1800" kern="0" dirty="0">
-                <a:solidFill>
-                  <a:schemeClr val="tx1"/>
-                </a:solidFill>
-                <a:latin typeface="微软雅黑" pitchFamily="34" charset="-122"/>
-                <a:ea typeface="宋体" pitchFamily="2" charset="-122"/>
-              </a:rPr>
-              <a:t>){</a:t>
+              <a:t> e){</a:t>
             </a:r>
           </a:p>
           <a:p>
@@ -30460,25 +29674,8 @@
                 <a:latin typeface="微软雅黑" pitchFamily="34" charset="-122"/>
                 <a:ea typeface="宋体" pitchFamily="2" charset="-122"/>
               </a:rPr>
-              <a:t>	</a:t>
-            </a:r>
-            <a:r>
-              <a:rPr lang="en-US" altLang="zh-CN" sz="1800" kern="0" dirty="0">
-                <a:solidFill>
-                  <a:schemeClr val="tx1"/>
-                </a:solidFill>
-                <a:latin typeface="微软雅黑" pitchFamily="34" charset="-122"/>
-                <a:ea typeface="宋体" pitchFamily="2" charset="-122"/>
-              </a:rPr>
-              <a:t>}</a:t>
-            </a:r>
-            <a:endParaRPr lang="en-US" altLang="zh-CN" sz="1800" kern="0" dirty="0">
-              <a:solidFill>
-                <a:schemeClr val="tx1"/>
-              </a:solidFill>
-              <a:latin typeface="微软雅黑" pitchFamily="34" charset="-122"/>
-              <a:ea typeface="宋体" pitchFamily="2" charset="-122"/>
-            </a:endParaRPr>
+              <a:t>	}</a:t>
+            </a:r>
           </a:p>
           <a:p>
             <a:pPr lvl="2" eaLnBrk="0" hangingPunct="0">
@@ -30565,17 +29762,7 @@
                 <a:latin typeface="微软雅黑" pitchFamily="34" charset="-122"/>
                 <a:ea typeface="宋体" pitchFamily="2" charset="-122"/>
               </a:rPr>
-              <a:t>    index</a:t>
-            </a:r>
-            <a:r>
-              <a:rPr lang="en-US" altLang="zh-CN" sz="1800" kern="0" dirty="0">
-                <a:solidFill>
-                  <a:schemeClr val="tx1"/>
-                </a:solidFill>
-                <a:latin typeface="微软雅黑" pitchFamily="34" charset="-122"/>
-                <a:ea typeface="宋体" pitchFamily="2" charset="-122"/>
-              </a:rPr>
-              <a:t>++;</a:t>
+              <a:t>    index++;</a:t>
             </a:r>
           </a:p>
           <a:p>
@@ -30594,13 +29781,6 @@
               </a:rPr>
               <a:t>}</a:t>
             </a:r>
-            <a:endParaRPr lang="en-US" altLang="zh-CN" sz="1800" kern="0" dirty="0">
-              <a:solidFill>
-                <a:schemeClr val="tx1"/>
-              </a:solidFill>
-              <a:latin typeface="微软雅黑" pitchFamily="34" charset="-122"/>
-              <a:ea typeface="宋体" pitchFamily="2" charset="-122"/>
-            </a:endParaRPr>
           </a:p>
           <a:p>
             <a:pPr lvl="2" eaLnBrk="0" hangingPunct="0">
@@ -30889,7 +30069,15 @@
             </a:pPr>
             <a:r>
               <a:rPr lang="en-US" altLang="zh-CN" sz="2000" dirty="0"/>
-              <a:t>  		    }</a:t>
+              <a:t>  	</a:t>
+            </a:r>
+            <a:r>
+              <a:rPr lang="en-US" altLang="zh-CN" sz="2000" dirty="0" smtClean="0"/>
+              <a:t>	 </a:t>
+            </a:r>
+            <a:r>
+              <a:rPr lang="en-US" altLang="zh-CN" sz="2000" dirty="0"/>
+              <a:t>}</a:t>
             </a:r>
           </a:p>
           <a:p>
@@ -31126,7 +30314,7 @@
         </p:nvSpPr>
         <p:spPr>
           <a:xfrm>
-            <a:off x="3987813" y="188640"/>
+            <a:off x="2207568" y="188640"/>
             <a:ext cx="7508787" cy="6480248"/>
           </a:xfrm>
           <a:prstGeom prst="rect">
@@ -31208,15 +30396,7 @@
             <a:pPr lvl="2"/>
             <a:r>
               <a:rPr lang="en-US" altLang="zh-CN" sz="1800" dirty="0"/>
-              <a:t>public Producer(</a:t>
-            </a:r>
-            <a:r>
-              <a:rPr lang="en-US" altLang="zh-CN" sz="1800" dirty="0" err="1"/>
-              <a:t>SyncStack</a:t>
-            </a:r>
-            <a:r>
-              <a:rPr lang="en-US" altLang="zh-CN" sz="1800" dirty="0"/>
-              <a:t> s</a:t>
+              <a:t>public Producer(SyncStack s</a:t>
             </a:r>
             <a:r>
               <a:rPr lang="en-US" altLang="zh-CN" sz="1800" dirty="0" smtClean="0"/>
@@ -31224,15 +30404,15 @@
             </a:r>
             <a:r>
               <a:rPr lang="en-US" altLang="zh-CN" sz="1800" dirty="0"/>
-              <a:t>	</a:t>
-            </a:r>
-            <a:r>
-              <a:rPr lang="en-US" altLang="zh-CN" sz="1800" dirty="0" err="1"/>
-              <a:t>theStack</a:t>
+              <a:t> </a:t>
+            </a:r>
+            <a:r>
+              <a:rPr lang="en-US" altLang="zh-CN" sz="1800" dirty="0" smtClean="0"/>
+              <a:t>   theStack </a:t>
             </a:r>
             <a:r>
               <a:rPr lang="en-US" altLang="zh-CN" sz="1800" dirty="0"/>
-              <a:t> = s</a:t>
+              <a:t>= s</a:t>
             </a:r>
             <a:r>
               <a:rPr lang="en-US" altLang="zh-CN" sz="1800" dirty="0" smtClean="0"/>
@@ -31328,28 +30508,12 @@
               <a:t>		</a:t>
             </a:r>
             <a:r>
-              <a:rPr lang="en-US" altLang="zh-CN" sz="1800" dirty="0" err="1"/>
-              <a:t>Thread.sleep</a:t>
+              <a:rPr lang="en-US" altLang="zh-CN" sz="1800" dirty="0" smtClean="0"/>
+              <a:t>     Thread.sleep</a:t>
             </a:r>
             <a:r>
               <a:rPr lang="en-US" altLang="zh-CN" sz="1800" dirty="0"/>
-              <a:t>((</a:t>
-            </a:r>
-            <a:r>
-              <a:rPr lang="en-US" altLang="zh-CN" sz="1800" dirty="0" err="1"/>
-              <a:t>int</a:t>
-            </a:r>
-            <a:r>
-              <a:rPr lang="en-US" altLang="zh-CN" sz="1800" dirty="0"/>
-              <a:t>)(</a:t>
-            </a:r>
-            <a:r>
-              <a:rPr lang="en-US" altLang="zh-CN" sz="1800" dirty="0" err="1"/>
-              <a:t>Math.random</a:t>
-            </a:r>
-            <a:r>
-              <a:rPr lang="en-US" altLang="zh-CN" sz="1800" dirty="0"/>
-              <a:t>()*100));</a:t>
+              <a:t>((int)(Math.random()*100));</a:t>
             </a:r>
           </a:p>
           <a:p>
@@ -31519,7 +30683,7 @@
           </a:bodyPr>
           <a:lstStyle/>
           <a:p>
-            <a:endParaRPr lang="zh-CN" altLang="en-US" smtClean="0"/>
+            <a:endParaRPr lang="zh-CN" altLang="en-US" dirty="0" smtClean="0"/>
           </a:p>
         </p:txBody>
       </p:sp>
@@ -31531,8 +30695,8 @@
         </p:nvSpPr>
         <p:spPr>
           <a:xfrm>
-            <a:off x="4079776" y="116632"/>
-            <a:ext cx="7186583" cy="6696744"/>
+            <a:off x="2279576" y="116632"/>
+            <a:ext cx="7502624" cy="6696744"/>
           </a:xfrm>
           <a:prstGeom prst="rect">
             <a:avLst/>
@@ -31724,28 +30888,12 @@
               <a:t>		</a:t>
             </a:r>
             <a:r>
-              <a:rPr lang="en-US" altLang="zh-CN" dirty="0" err="1"/>
-              <a:t>Thread.sleep</a:t>
+              <a:rPr lang="en-US" altLang="zh-CN" dirty="0" smtClean="0"/>
+              <a:t>    Thread.sleep</a:t>
             </a:r>
             <a:r>
               <a:rPr lang="en-US" altLang="zh-CN" dirty="0"/>
-              <a:t>((</a:t>
-            </a:r>
-            <a:r>
-              <a:rPr lang="en-US" altLang="zh-CN" dirty="0" err="1"/>
-              <a:t>int</a:t>
-            </a:r>
-            <a:r>
-              <a:rPr lang="en-US" altLang="zh-CN" dirty="0"/>
-              <a:t>)(</a:t>
-            </a:r>
-            <a:r>
-              <a:rPr lang="en-US" altLang="zh-CN" dirty="0" err="1"/>
-              <a:t>Math.random</a:t>
-            </a:r>
-            <a:r>
-              <a:rPr lang="en-US" altLang="zh-CN" dirty="0"/>
-              <a:t>()*1000));</a:t>
+              <a:t>((int)(Math.random()*1000));</a:t>
             </a:r>
           </a:p>
           <a:p>
@@ -32230,11 +31378,7 @@
             </a:pPr>
             <a:r>
               <a:rPr lang="zh-CN" altLang="en-US" dirty="0" smtClean="0"/>
-              <a:t>程序是一段静态的代码，是应用软件执行的</a:t>
-            </a:r>
-            <a:r>
-              <a:rPr lang="zh-CN" altLang="en-US" dirty="0" smtClean="0"/>
-              <a:t>蓝本</a:t>
+              <a:t>程序是一段静态的代码，是应用软件执行的蓝本</a:t>
             </a:r>
             <a:r>
               <a:rPr lang="zh-CN" altLang="en-US" dirty="0"/>
@@ -32262,13 +31406,8 @@
             </a:r>
             <a:r>
               <a:rPr lang="zh-CN" altLang="en-US" dirty="0" smtClean="0"/>
-              <a:t>，这个过程也是进程本身从产生、发展至消亡的</a:t>
-            </a:r>
-            <a:r>
-              <a:rPr lang="zh-CN" altLang="en-US" dirty="0" smtClean="0"/>
-              <a:t>过程。</a:t>
-            </a:r>
-            <a:endParaRPr lang="zh-CN" altLang="en-US" dirty="0" smtClean="0"/>
+              <a:t>，这个过程也是进程本身从产生、发展至消亡的过程。</a:t>
+            </a:r>
           </a:p>
           <a:p>
             <a:pPr lvl="1">
@@ -32278,11 +31417,7 @@
             </a:pPr>
             <a:r>
               <a:rPr lang="zh-CN" altLang="en-US" dirty="0" smtClean="0"/>
-              <a:t>线程是比进程更小的执行单位。进程在其执行过程中，可以产生多个线程，形成多条执行线索，每条线索，即每个线程也有它自身的产生、存在和消亡的过程，也是一个动态的</a:t>
-            </a:r>
-            <a:r>
-              <a:rPr lang="zh-CN" altLang="en-US" dirty="0" smtClean="0"/>
-              <a:t>概念</a:t>
+              <a:t>线程是比进程更小的执行单位。进程在其执行过程中，可以产生多个线程，形成多条执行线索，每条线索，即每个线程也有它自身的产生、存在和消亡的过程，也是一个动态的概念</a:t>
             </a:r>
             <a:r>
               <a:rPr lang="zh-CN" altLang="en-US" dirty="0"/>
@@ -32497,7 +31632,7 @@
             </a:r>
             <a:r>
               <a:rPr lang="en-US" altLang="zh-CN" dirty="0" smtClean="0"/>
-              <a:t>——</a:t>
+              <a:t>—</a:t>
             </a:r>
             <a:r>
               <a:rPr lang="zh-CN" altLang="en-US" dirty="0" smtClean="0"/>
@@ -34618,11 +33753,7 @@
             </a:pPr>
             <a:r>
               <a:rPr lang="zh-CN" altLang="en-US" dirty="0" smtClean="0"/>
-              <a:t>减轻编写交互频繁、涉及面多的程序的</a:t>
-            </a:r>
-            <a:r>
-              <a:rPr lang="zh-CN" altLang="en-US" dirty="0" smtClean="0"/>
-              <a:t>困难</a:t>
+              <a:t>减轻编写交互频繁、涉及面多的程序的困难</a:t>
             </a:r>
             <a:r>
               <a:rPr lang="zh-CN" altLang="en-US" dirty="0"/>
@@ -34638,11 +33769,7 @@
             </a:pPr>
             <a:r>
               <a:rPr lang="zh-CN" altLang="en-US" dirty="0" smtClean="0"/>
-              <a:t>程序的吞吐量会得到</a:t>
-            </a:r>
-            <a:r>
-              <a:rPr lang="zh-CN" altLang="en-US" dirty="0" smtClean="0"/>
-              <a:t>改善</a:t>
+              <a:t>程序的吞吐量会得到改善</a:t>
             </a:r>
             <a:r>
               <a:rPr lang="zh-CN" altLang="en-US" dirty="0"/>
